--- a/.doc/プレゼンテーション ＿課題２.pptx
+++ b/.doc/プレゼンテーション ＿課題２.pptx
@@ -9,15 +9,17 @@
     <p:sldId id="257" r:id="rId3"/>
     <p:sldId id="258" r:id="rId4"/>
     <p:sldId id="263" r:id="rId5"/>
-    <p:sldId id="261" r:id="rId6"/>
-    <p:sldId id="264" r:id="rId7"/>
-    <p:sldId id="265" r:id="rId8"/>
-    <p:sldId id="266" r:id="rId9"/>
-    <p:sldId id="270" r:id="rId10"/>
-    <p:sldId id="268" r:id="rId11"/>
-    <p:sldId id="259" r:id="rId12"/>
-    <p:sldId id="269" r:id="rId13"/>
-    <p:sldId id="272" r:id="rId14"/>
+    <p:sldId id="273" r:id="rId6"/>
+    <p:sldId id="275" r:id="rId7"/>
+    <p:sldId id="274" r:id="rId8"/>
+    <p:sldId id="261" r:id="rId9"/>
+    <p:sldId id="264" r:id="rId10"/>
+    <p:sldId id="265" r:id="rId11"/>
+    <p:sldId id="266" r:id="rId12"/>
+    <p:sldId id="268" r:id="rId13"/>
+    <p:sldId id="259" r:id="rId14"/>
+    <p:sldId id="269" r:id="rId15"/>
+    <p:sldId id="272" r:id="rId16"/>
   </p:sldIdLst>
   <p:sldSz cx="12192000" cy="6858000"/>
   <p:notesSz cx="6858000" cy="9144000"/>
@@ -128,6 +130,7 @@
 <p1510:revInfo xmlns:a="http://schemas.openxmlformats.org/drawingml/2006/main" xmlns:r="http://schemas.openxmlformats.org/officeDocument/2006/relationships" xmlns:p1510="http://schemas.microsoft.com/office/powerpoint/2015/10/main">
   <p1510:revLst>
     <p1510:client id="{1F836134-A90E-4636-BF93-B8CBFA27C832}" v="1096" dt="2023-11-27T03:14:12.096"/>
+    <p1510:client id="{767CC35C-8C59-4256-B248-B55C93E36C9F}" v="88" dt="2023-11-27T05:53:22.016"/>
     <p1510:client id="{7B3ACF23-ECE8-4F22-9D1C-6C8B0E9D1417}" v="3695" dt="2023-11-26T16:18:30.009"/>
     <p1510:client id="{7FD34E14-411B-4592-93A5-7EA2CCFDED0C}" v="13" dt="2023-11-27T03:17:29.287"/>
   </p1510:revLst>
@@ -609,6 +612,216 @@
             <ac:spMk id="3" creationId="{C00AE3E7-2C91-C604-DB69-F1EC0CFA9C77}"/>
           </ac:spMkLst>
         </pc:spChg>
+      </pc:sldChg>
+    </pc:docChg>
+  </pc:docChgLst>
+  <pc:docChgLst>
+    <pc:chgData name="手塚 保将" userId="f4af4f24e7bdae93" providerId="Windows Live" clId="Web-{767CC35C-8C59-4256-B248-B55C93E36C9F}"/>
+    <pc:docChg chg="addSld delSld modSld sldOrd">
+      <pc:chgData name="手塚 保将" userId="f4af4f24e7bdae93" providerId="Windows Live" clId="Web-{767CC35C-8C59-4256-B248-B55C93E36C9F}" dt="2023-11-27T05:53:22.016" v="81" actId="1076"/>
+      <pc:docMkLst>
+        <pc:docMk/>
+      </pc:docMkLst>
+      <pc:sldChg chg="addSp modSp">
+        <pc:chgData name="手塚 保将" userId="f4af4f24e7bdae93" providerId="Windows Live" clId="Web-{767CC35C-8C59-4256-B248-B55C93E36C9F}" dt="2023-11-27T05:53:22.016" v="81" actId="1076"/>
+        <pc:sldMkLst>
+          <pc:docMk/>
+          <pc:sldMk cId="899735832" sldId="264"/>
+        </pc:sldMkLst>
+        <pc:spChg chg="mod">
+          <ac:chgData name="手塚 保将" userId="f4af4f24e7bdae93" providerId="Windows Live" clId="Web-{767CC35C-8C59-4256-B248-B55C93E36C9F}" dt="2023-11-27T05:53:22.016" v="81" actId="1076"/>
+          <ac:spMkLst>
+            <pc:docMk/>
+            <pc:sldMk cId="899735832" sldId="264"/>
+            <ac:spMk id="2" creationId="{E0FD8514-6AE1-D0DF-2D55-7956E66399CE}"/>
+          </ac:spMkLst>
+        </pc:spChg>
+        <pc:picChg chg="add mod">
+          <ac:chgData name="手塚 保将" userId="f4af4f24e7bdae93" providerId="Windows Live" clId="Web-{767CC35C-8C59-4256-B248-B55C93E36C9F}" dt="2023-11-27T05:53:06.813" v="79" actId="14100"/>
+          <ac:picMkLst>
+            <pc:docMk/>
+            <pc:sldMk cId="899735832" sldId="264"/>
+            <ac:picMk id="3" creationId="{FAEEE8FA-C4F0-72A2-4B67-195B628B0D87}"/>
+          </ac:picMkLst>
+        </pc:picChg>
+      </pc:sldChg>
+      <pc:sldChg chg="modSp">
+        <pc:chgData name="手塚 保将" userId="f4af4f24e7bdae93" providerId="Windows Live" clId="Web-{767CC35C-8C59-4256-B248-B55C93E36C9F}" dt="2023-11-27T05:30:33.940" v="7" actId="20577"/>
+        <pc:sldMkLst>
+          <pc:docMk/>
+          <pc:sldMk cId="403382773" sldId="268"/>
+        </pc:sldMkLst>
+        <pc:spChg chg="mod">
+          <ac:chgData name="手塚 保将" userId="f4af4f24e7bdae93" providerId="Windows Live" clId="Web-{767CC35C-8C59-4256-B248-B55C93E36C9F}" dt="2023-11-27T05:30:33.940" v="7" actId="20577"/>
+          <ac:spMkLst>
+            <pc:docMk/>
+            <pc:sldMk cId="403382773" sldId="268"/>
+            <ac:spMk id="3" creationId="{8BB769E7-4B9E-0447-2C2C-19EE7CB30B8D}"/>
+          </ac:spMkLst>
+        </pc:spChg>
+      </pc:sldChg>
+      <pc:sldChg chg="addSp delSp modSp del">
+        <pc:chgData name="手塚 保将" userId="f4af4f24e7bdae93" providerId="Windows Live" clId="Web-{767CC35C-8C59-4256-B248-B55C93E36C9F}" dt="2023-11-27T05:31:12.379" v="8"/>
+        <pc:sldMkLst>
+          <pc:docMk/>
+          <pc:sldMk cId="1616812028" sldId="270"/>
+        </pc:sldMkLst>
+        <pc:spChg chg="add mod">
+          <ac:chgData name="手塚 保将" userId="f4af4f24e7bdae93" providerId="Windows Live" clId="Web-{767CC35C-8C59-4256-B248-B55C93E36C9F}" dt="2023-11-27T05:30:05.564" v="0"/>
+          <ac:spMkLst>
+            <pc:docMk/>
+            <pc:sldMk cId="1616812028" sldId="270"/>
+            <ac:spMk id="5" creationId="{1CCB36DB-3998-9EAB-0FD8-D8AA0D8B8731}"/>
+          </ac:spMkLst>
+        </pc:spChg>
+        <pc:spChg chg="del mod">
+          <ac:chgData name="手塚 保将" userId="f4af4f24e7bdae93" providerId="Windows Live" clId="Web-{767CC35C-8C59-4256-B248-B55C93E36C9F}" dt="2023-11-27T05:30:15.892" v="2"/>
+          <ac:spMkLst>
+            <pc:docMk/>
+            <pc:sldMk cId="1616812028" sldId="270"/>
+            <ac:spMk id="13" creationId="{1D962719-5767-9A5C-EC5E-319F68680833}"/>
+          </ac:spMkLst>
+        </pc:spChg>
+        <pc:picChg chg="del">
+          <ac:chgData name="手塚 保将" userId="f4af4f24e7bdae93" providerId="Windows Live" clId="Web-{767CC35C-8C59-4256-B248-B55C93E36C9F}" dt="2023-11-27T05:30:05.564" v="0"/>
+          <ac:picMkLst>
+            <pc:docMk/>
+            <pc:sldMk cId="1616812028" sldId="270"/>
+            <ac:picMk id="12" creationId="{87B3B0D0-DA10-E205-F88B-9FEB16FAD9F2}"/>
+          </ac:picMkLst>
+        </pc:picChg>
+      </pc:sldChg>
+      <pc:sldChg chg="addSp delSp modSp new">
+        <pc:chgData name="手塚 保将" userId="f4af4f24e7bdae93" providerId="Windows Live" clId="Web-{767CC35C-8C59-4256-B248-B55C93E36C9F}" dt="2023-11-27T05:38:58.831" v="25" actId="20577"/>
+        <pc:sldMkLst>
+          <pc:docMk/>
+          <pc:sldMk cId="4064398456" sldId="273"/>
+        </pc:sldMkLst>
+        <pc:spChg chg="mod">
+          <ac:chgData name="手塚 保将" userId="f4af4f24e7bdae93" providerId="Windows Live" clId="Web-{767CC35C-8C59-4256-B248-B55C93E36C9F}" dt="2023-11-27T05:38:58.831" v="25" actId="20577"/>
+          <ac:spMkLst>
+            <pc:docMk/>
+            <pc:sldMk cId="4064398456" sldId="273"/>
+            <ac:spMk id="2" creationId="{D31A491D-77E9-0D69-B7C3-BBF5257F0710}"/>
+          </ac:spMkLst>
+        </pc:spChg>
+        <pc:spChg chg="del mod">
+          <ac:chgData name="手塚 保将" userId="f4af4f24e7bdae93" providerId="Windows Live" clId="Web-{767CC35C-8C59-4256-B248-B55C93E36C9F}" dt="2023-11-27T05:34:49.964" v="14"/>
+          <ac:spMkLst>
+            <pc:docMk/>
+            <pc:sldMk cId="4064398456" sldId="273"/>
+            <ac:spMk id="3" creationId="{6D69FCDC-A03A-FC92-AB9D-9D415BD12AA9}"/>
+          </ac:spMkLst>
+        </pc:spChg>
+        <pc:picChg chg="add mod">
+          <ac:chgData name="手塚 保将" userId="f4af4f24e7bdae93" providerId="Windows Live" clId="Web-{767CC35C-8C59-4256-B248-B55C93E36C9F}" dt="2023-11-27T05:38:45.300" v="20" actId="1076"/>
+          <ac:picMkLst>
+            <pc:docMk/>
+            <pc:sldMk cId="4064398456" sldId="273"/>
+            <ac:picMk id="5" creationId="{2E162A78-1339-D454-90A2-11F5B2F7D6F9}"/>
+          </ac:picMkLst>
+        </pc:picChg>
+      </pc:sldChg>
+      <pc:sldChg chg="addSp delSp modSp new ord">
+        <pc:chgData name="手塚 保将" userId="f4af4f24e7bdae93" providerId="Windows Live" clId="Web-{767CC35C-8C59-4256-B248-B55C93E36C9F}" dt="2023-11-27T05:47:17.160" v="70"/>
+        <pc:sldMkLst>
+          <pc:docMk/>
+          <pc:sldMk cId="2897174269" sldId="274"/>
+        </pc:sldMkLst>
+        <pc:spChg chg="del mod">
+          <ac:chgData name="手塚 保将" userId="f4af4f24e7bdae93" providerId="Windows Live" clId="Web-{767CC35C-8C59-4256-B248-B55C93E36C9F}" dt="2023-11-27T05:39:21.848" v="28"/>
+          <ac:spMkLst>
+            <pc:docMk/>
+            <pc:sldMk cId="2897174269" sldId="274"/>
+            <ac:spMk id="2" creationId="{48C186B7-49C4-F1A0-9B90-FD710EAE558B}"/>
+          </ac:spMkLst>
+        </pc:spChg>
+        <pc:spChg chg="del">
+          <ac:chgData name="手塚 保将" userId="f4af4f24e7bdae93" providerId="Windows Live" clId="Web-{767CC35C-8C59-4256-B248-B55C93E36C9F}" dt="2023-11-27T05:39:45.723" v="35"/>
+          <ac:spMkLst>
+            <pc:docMk/>
+            <pc:sldMk cId="2897174269" sldId="274"/>
+            <ac:spMk id="3" creationId="{69B08B82-11E5-51D3-D383-DE6E801EAD84}"/>
+          </ac:spMkLst>
+        </pc:spChg>
+        <pc:spChg chg="add mod">
+          <ac:chgData name="手塚 保将" userId="f4af4f24e7bdae93" providerId="Windows Live" clId="Web-{767CC35C-8C59-4256-B248-B55C93E36C9F}" dt="2023-11-27T05:39:43.114" v="34" actId="20577"/>
+          <ac:spMkLst>
+            <pc:docMk/>
+            <pc:sldMk cId="2897174269" sldId="274"/>
+            <ac:spMk id="6" creationId="{4796A0C0-821F-EED3-5BB4-884029D62CE5}"/>
+          </ac:spMkLst>
+        </pc:spChg>
+        <pc:picChg chg="add mod">
+          <ac:chgData name="手塚 保将" userId="f4af4f24e7bdae93" providerId="Windows Live" clId="Web-{767CC35C-8C59-4256-B248-B55C93E36C9F}" dt="2023-11-27T05:40:24.553" v="42" actId="1076"/>
+          <ac:picMkLst>
+            <pc:docMk/>
+            <pc:sldMk cId="2897174269" sldId="274"/>
+            <ac:picMk id="7" creationId="{0A60B29F-22B8-804F-F9F6-CABB0D64D18F}"/>
+          </ac:picMkLst>
+        </pc:picChg>
+      </pc:sldChg>
+      <pc:sldChg chg="addSp delSp modSp new">
+        <pc:chgData name="手塚 保将" userId="f4af4f24e7bdae93" providerId="Windows Live" clId="Web-{767CC35C-8C59-4256-B248-B55C93E36C9F}" dt="2023-11-27T05:45:44.594" v="69"/>
+        <pc:sldMkLst>
+          <pc:docMk/>
+          <pc:sldMk cId="2251281037" sldId="275"/>
+        </pc:sldMkLst>
+        <pc:spChg chg="del">
+          <ac:chgData name="手塚 保将" userId="f4af4f24e7bdae93" providerId="Windows Live" clId="Web-{767CC35C-8C59-4256-B248-B55C93E36C9F}" dt="2023-11-27T05:40:46.632" v="44"/>
+          <ac:spMkLst>
+            <pc:docMk/>
+            <pc:sldMk cId="2251281037" sldId="275"/>
+            <ac:spMk id="2" creationId="{2DFD7FA6-118F-B46F-1F94-5E383D12BEBD}"/>
+          </ac:spMkLst>
+        </pc:spChg>
+        <pc:spChg chg="del">
+          <ac:chgData name="手塚 保将" userId="f4af4f24e7bdae93" providerId="Windows Live" clId="Web-{767CC35C-8C59-4256-B248-B55C93E36C9F}" dt="2023-11-27T05:41:02.038" v="49"/>
+          <ac:spMkLst>
+            <pc:docMk/>
+            <pc:sldMk cId="2251281037" sldId="275"/>
+            <ac:spMk id="3" creationId="{31CF2C9E-5532-8831-3537-BA022EE97B2F}"/>
+          </ac:spMkLst>
+        </pc:spChg>
+        <pc:spChg chg="add mod">
+          <ac:chgData name="手塚 保将" userId="f4af4f24e7bdae93" providerId="Windows Live" clId="Web-{767CC35C-8C59-4256-B248-B55C93E36C9F}" dt="2023-11-27T05:40:52.663" v="48" actId="20577"/>
+          <ac:spMkLst>
+            <pc:docMk/>
+            <pc:sldMk cId="2251281037" sldId="275"/>
+            <ac:spMk id="6" creationId="{A6D6E174-5E2D-473F-05B2-D26DEA7C1BB1}"/>
+          </ac:spMkLst>
+        </pc:spChg>
+        <pc:spChg chg="add mod">
+          <ac:chgData name="手塚 保将" userId="f4af4f24e7bdae93" providerId="Windows Live" clId="Web-{767CC35C-8C59-4256-B248-B55C93E36C9F}" dt="2023-11-27T05:45:44.594" v="69"/>
+          <ac:spMkLst>
+            <pc:docMk/>
+            <pc:sldMk cId="2251281037" sldId="275"/>
+            <ac:spMk id="9" creationId="{97C222C2-EE62-E311-4887-EE566BC390ED}"/>
+          </ac:spMkLst>
+        </pc:spChg>
+        <pc:picChg chg="add del mod">
+          <ac:chgData name="手塚 保将" userId="f4af4f24e7bdae93" providerId="Windows Live" clId="Web-{767CC35C-8C59-4256-B248-B55C93E36C9F}" dt="2023-11-27T05:41:40.774" v="52"/>
+          <ac:picMkLst>
+            <pc:docMk/>
+            <pc:sldMk cId="2251281037" sldId="275"/>
+            <ac:picMk id="7" creationId="{7419E442-0310-1EE7-C7E7-FD82328BC207}"/>
+          </ac:picMkLst>
+        </pc:picChg>
+        <pc:picChg chg="add mod">
+          <ac:chgData name="手塚 保将" userId="f4af4f24e7bdae93" providerId="Windows Live" clId="Web-{767CC35C-8C59-4256-B248-B55C93E36C9F}" dt="2023-11-27T05:42:46.557" v="59" actId="1076"/>
+          <ac:picMkLst>
+            <pc:docMk/>
+            <pc:sldMk cId="2251281037" sldId="275"/>
+            <ac:picMk id="8" creationId="{3EA8EDB1-53B0-612B-F0DF-35D323477977}"/>
+          </ac:picMkLst>
+        </pc:picChg>
+      </pc:sldChg>
+      <pc:sldChg chg="new del">
+        <pc:chgData name="手塚 保将" userId="f4af4f24e7bdae93" providerId="Windows Live" clId="Web-{767CC35C-8C59-4256-B248-B55C93E36C9F}" dt="2023-11-27T05:48:05.193" v="71"/>
+        <pc:sldMkLst>
+          <pc:docMk/>
+          <pc:sldMk cId="2692071481" sldId="276"/>
+        </pc:sldMkLst>
       </pc:sldChg>
     </pc:docChg>
   </pc:docChgLst>
@@ -8121,6 +8334,942 @@
           <a:chExt cx="0" cy="0"/>
         </a:xfrm>
       </p:grpSpPr>
+      <p:sp>
+        <p:nvSpPr>
+          <p:cNvPr id="2" name="タイトル 1">
+            <a:extLst>
+              <a:ext uri="{FF2B5EF4-FFF2-40B4-BE49-F238E27FC236}">
+                <a16:creationId xmlns:a16="http://schemas.microsoft.com/office/drawing/2014/main" id="{915EDABC-17D5-0457-ED31-F880466EE3FD}"/>
+              </a:ext>
+            </a:extLst>
+          </p:cNvPr>
+          <p:cNvSpPr>
+            <a:spLocks noGrp="1"/>
+          </p:cNvSpPr>
+          <p:nvPr>
+            <p:ph type="title"/>
+          </p:nvPr>
+        </p:nvSpPr>
+        <p:spPr>
+          <a:xfrm>
+            <a:off x="1182513" y="746947"/>
+            <a:ext cx="9601196" cy="673571"/>
+          </a:xfrm>
+        </p:spPr>
+        <p:txBody>
+          <a:bodyPr>
+            <a:normAutofit fontScale="90000"/>
+          </a:bodyPr>
+          <a:lstStyle/>
+          <a:p>
+            <a:r>
+              <a:rPr lang="ja-JP" altLang="en-US">
+                <a:latin typeface="MS PMincho"/>
+                <a:ea typeface="MS PMincho"/>
+              </a:rPr>
+              <a:t>分析結果（公園のタイプ）</a:t>
+            </a:r>
+            <a:endParaRPr kumimoji="1" lang="ja-JP" altLang="en-US">
+              <a:latin typeface="MS PMincho"/>
+              <a:ea typeface="MS PMincho"/>
+            </a:endParaRPr>
+          </a:p>
+        </p:txBody>
+      </p:sp>
+      <p:sp>
+        <p:nvSpPr>
+          <p:cNvPr id="17" name="スライド番号プレースホルダー 16">
+            <a:extLst>
+              <a:ext uri="{FF2B5EF4-FFF2-40B4-BE49-F238E27FC236}">
+                <a16:creationId xmlns:a16="http://schemas.microsoft.com/office/drawing/2014/main" id="{46CF1C56-2C5D-A331-DE46-2D926CCE6DC5}"/>
+              </a:ext>
+            </a:extLst>
+          </p:cNvPr>
+          <p:cNvSpPr>
+            <a:spLocks noGrp="1"/>
+          </p:cNvSpPr>
+          <p:nvPr>
+            <p:ph type="sldNum" sz="quarter" idx="12"/>
+          </p:nvPr>
+        </p:nvSpPr>
+        <p:spPr/>
+        <p:txBody>
+          <a:bodyPr/>
+          <a:lstStyle/>
+          <a:p>
+            <a:fld id="{5D84065D-F351-4B03-BD91-D8A6B8D4B362}" type="slidenum">
+              <a:rPr lang="en-US" dirty="0"/>
+              <a:t>10</a:t>
+            </a:fld>
+            <a:endParaRPr lang="ja-JP" altLang="en-US"/>
+          </a:p>
+        </p:txBody>
+      </p:sp>
+      <p:sp>
+        <p:nvSpPr>
+          <p:cNvPr id="5" name="テキスト ボックス 4">
+            <a:extLst>
+              <a:ext uri="{FF2B5EF4-FFF2-40B4-BE49-F238E27FC236}">
+                <a16:creationId xmlns:a16="http://schemas.microsoft.com/office/drawing/2014/main" id="{6FFA0DF7-9C10-8D97-9A58-7DEEEED38E7E}"/>
+              </a:ext>
+            </a:extLst>
+          </p:cNvPr>
+          <p:cNvSpPr txBox="1"/>
+          <p:nvPr/>
+        </p:nvSpPr>
+        <p:spPr>
+          <a:xfrm>
+            <a:off x="853050" y="1636886"/>
+            <a:ext cx="4440968" cy="3139321"/>
+          </a:xfrm>
+          <a:prstGeom prst="rect">
+            <a:avLst/>
+          </a:prstGeom>
+          <a:solidFill>
+            <a:schemeClr val="bg1">
+              <a:lumMod val="95000"/>
+            </a:schemeClr>
+          </a:solidFill>
+        </p:spPr>
+        <p:txBody>
+          <a:bodyPr rot="0" spcFirstLastPara="0" vertOverflow="overflow" horzOverflow="overflow" vert="horz" wrap="square" lIns="91440" tIns="45720" rIns="91440" bIns="45720" numCol="1" spcCol="0" rtlCol="0" fromWordArt="0" anchor="t" anchorCtr="0" forceAA="0" compatLnSpc="1">
+            <a:prstTxWarp prst="textNoShape">
+              <a:avLst/>
+            </a:prstTxWarp>
+            <a:spAutoFit/>
+          </a:bodyPr>
+          <a:lstStyle/>
+          <a:p>
+            <a:r>
+              <a:rPr lang="ja-JP" sz="1200">
+                <a:latin typeface="MS PMincho"/>
+                <a:ea typeface="MS PMincho"/>
+                <a:cs typeface="+mn-lt"/>
+              </a:rPr>
+              <a:t>街区公園:6589ヶ所</a:t>
+            </a:r>
+          </a:p>
+          <a:p>
+            <a:r>
+              <a:rPr lang="ja-JP" sz="1200">
+                <a:latin typeface="MS PMincho"/>
+                <a:ea typeface="MS PMincho"/>
+                <a:cs typeface="+mn-lt"/>
+              </a:rPr>
+              <a:t>近隣公園</a:t>
+            </a:r>
+            <a:r>
+              <a:rPr lang="en-US" altLang="ja-JP" sz="1200">
+                <a:latin typeface="MS PMincho"/>
+                <a:ea typeface="+mn-lt"/>
+                <a:cs typeface="+mn-lt"/>
+              </a:rPr>
+              <a:t>:</a:t>
+            </a:r>
+            <a:r>
+              <a:rPr lang="ja-JP" sz="1200">
+                <a:latin typeface="MS PMincho"/>
+                <a:ea typeface="MS PMincho"/>
+                <a:cs typeface="+mn-lt"/>
+              </a:rPr>
+              <a:t>354ヶ所
+その他</a:t>
+            </a:r>
+            <a:r>
+              <a:rPr lang="en-US" altLang="ja-JP" sz="1200">
+                <a:latin typeface="MS PMincho"/>
+                <a:ea typeface="+mn-lt"/>
+                <a:cs typeface="+mn-lt"/>
+              </a:rPr>
+              <a:t>:</a:t>
+            </a:r>
+            <a:r>
+              <a:rPr lang="ja-JP" sz="1200">
+                <a:latin typeface="MS PMincho"/>
+                <a:ea typeface="MS PMincho"/>
+                <a:cs typeface="+mn-lt"/>
+              </a:rPr>
+              <a:t>300ヶ所
+都市緑地</a:t>
+            </a:r>
+            <a:r>
+              <a:rPr lang="en-US" altLang="ja-JP" sz="1200">
+                <a:latin typeface="MS PMincho"/>
+                <a:ea typeface="+mn-lt"/>
+                <a:cs typeface="+mn-lt"/>
+              </a:rPr>
+              <a:t>:</a:t>
+            </a:r>
+            <a:r>
+              <a:rPr lang="ja-JP" sz="1200">
+                <a:latin typeface="MS PMincho"/>
+                <a:ea typeface="MS PMincho"/>
+                <a:cs typeface="+mn-lt"/>
+              </a:rPr>
+              <a:t>291</a:t>
+            </a:r>
+            <a:r>
+              <a:rPr lang="ja-JP" altLang="en-US" sz="1200">
+                <a:latin typeface="MS PMincho"/>
+                <a:ea typeface="MS PMincho"/>
+                <a:cs typeface="+mn-lt"/>
+              </a:rPr>
+              <a:t>ヶ所</a:t>
+            </a:r>
+            <a:r>
+              <a:rPr lang="ja-JP" sz="1200">
+                <a:latin typeface="MS PMincho"/>
+                <a:ea typeface="MS PMincho"/>
+                <a:cs typeface="+mn-lt"/>
+              </a:rPr>
+              <a:t>
+都市林:137</a:t>
+            </a:r>
+            <a:r>
+              <a:rPr lang="ja-JP" altLang="en-US" sz="1200">
+                <a:latin typeface="MS PMincho"/>
+                <a:ea typeface="MS PMincho"/>
+                <a:cs typeface="+mn-lt"/>
+              </a:rPr>
+              <a:t>ヶ所</a:t>
+            </a:r>
+            <a:r>
+              <a:rPr lang="ja-JP" sz="1200">
+                <a:latin typeface="MS PMincho"/>
+                <a:ea typeface="MS PMincho"/>
+                <a:cs typeface="+mn-lt"/>
+              </a:rPr>
+              <a:t>
+特殊公園（風致公園、動植物公園、歴史公園、墓園</a:t>
+            </a:r>
+            <a:r>
+              <a:rPr lang="ja-JP" altLang="en-US" sz="1200">
+                <a:latin typeface="MS PMincho"/>
+                <a:ea typeface="MS PMincho"/>
+                <a:cs typeface="+mn-lt"/>
+              </a:rPr>
+              <a:t>）</a:t>
+            </a:r>
+            <a:r>
+              <a:rPr lang="en-US" altLang="en-US" sz="1200">
+                <a:latin typeface="MS PMincho"/>
+                <a:ea typeface="+mn-lt"/>
+                <a:cs typeface="+mn-lt"/>
+              </a:rPr>
+              <a:t>:</a:t>
+            </a:r>
+            <a:r>
+              <a:rPr lang="ja-JP" sz="1200">
+                <a:latin typeface="MS PMincho"/>
+                <a:ea typeface="MS PMincho"/>
+                <a:cs typeface="+mn-lt"/>
+              </a:rPr>
+              <a:t>76ヶ</a:t>
+            </a:r>
+            <a:r>
+              <a:rPr lang="ja-JP" altLang="en-US" sz="1200">
+                <a:latin typeface="MS PMincho"/>
+                <a:ea typeface="MS PMincho"/>
+                <a:cs typeface="+mn-lt"/>
+              </a:rPr>
+              <a:t>所</a:t>
+            </a:r>
+            <a:r>
+              <a:rPr lang="ja-JP" sz="1200">
+                <a:latin typeface="MS PMincho"/>
+                <a:ea typeface="MS PMincho"/>
+                <a:cs typeface="+mn-lt"/>
+              </a:rPr>
+              <a:t>
+地区公園（カントリーパーク</a:t>
+            </a:r>
+            <a:r>
+              <a:rPr lang="ja-JP" altLang="en-US" sz="1200">
+                <a:latin typeface="MS PMincho"/>
+                <a:ea typeface="MS PMincho"/>
+                <a:cs typeface="+mn-lt"/>
+              </a:rPr>
+              <a:t>）</a:t>
+            </a:r>
+            <a:r>
+              <a:rPr lang="en-US" altLang="en-US" sz="1200">
+                <a:latin typeface="MS PMincho"/>
+                <a:ea typeface="+mn-lt"/>
+                <a:cs typeface="+mn-lt"/>
+              </a:rPr>
+              <a:t>:</a:t>
+            </a:r>
+            <a:r>
+              <a:rPr lang="ja-JP" sz="1200">
+                <a:latin typeface="MS PMincho"/>
+                <a:ea typeface="MS PMincho"/>
+                <a:cs typeface="+mn-lt"/>
+              </a:rPr>
+              <a:t>74ヶ</a:t>
+            </a:r>
+            <a:r>
+              <a:rPr lang="ja-JP" altLang="en-US" sz="1200">
+                <a:latin typeface="MS PMincho"/>
+                <a:ea typeface="MS PMincho"/>
+                <a:cs typeface="+mn-lt"/>
+              </a:rPr>
+              <a:t>所</a:t>
+            </a:r>
+            <a:r>
+              <a:rPr lang="ja-JP" sz="1200">
+                <a:latin typeface="MS PMincho"/>
+                <a:ea typeface="MS PMincho"/>
+                <a:cs typeface="+mn-lt"/>
+              </a:rPr>
+              <a:t>
+緑道</a:t>
+            </a:r>
+            <a:r>
+              <a:rPr lang="en-US" altLang="ja-JP" sz="1200">
+                <a:latin typeface="MS PMincho"/>
+                <a:ea typeface="+mn-lt"/>
+                <a:cs typeface="+mn-lt"/>
+              </a:rPr>
+              <a:t>:7</a:t>
+            </a:r>
+            <a:r>
+              <a:rPr lang="ja-JP" sz="1200">
+                <a:latin typeface="MS PMincho"/>
+                <a:ea typeface="MS PMincho"/>
+                <a:cs typeface="+mn-lt"/>
+              </a:rPr>
+              <a:t>4</a:t>
+            </a:r>
+            <a:r>
+              <a:rPr lang="ja-JP" altLang="en-US" sz="1200">
+                <a:latin typeface="MS PMincho"/>
+                <a:ea typeface="MS PMincho"/>
+                <a:cs typeface="+mn-lt"/>
+              </a:rPr>
+              <a:t>箇所</a:t>
+            </a:r>
+            <a:r>
+              <a:rPr lang="ja-JP" sz="1200">
+                <a:latin typeface="MS PMincho"/>
+                <a:ea typeface="MS PMincho"/>
+                <a:cs typeface="+mn-lt"/>
+              </a:rPr>
+              <a:t>
+運動公園</a:t>
+            </a:r>
+            <a:r>
+              <a:rPr lang="en-US" altLang="en-US" sz="1200">
+                <a:latin typeface="MS PMincho"/>
+                <a:ea typeface="+mn-lt"/>
+                <a:cs typeface="+mn-lt"/>
+              </a:rPr>
+              <a:t>:</a:t>
+            </a:r>
+            <a:r>
+              <a:rPr lang="ja-JP" sz="1200">
+                <a:latin typeface="MS PMincho"/>
+                <a:ea typeface="MS PMincho"/>
+                <a:cs typeface="+mn-lt"/>
+              </a:rPr>
+              <a:t>57ヶ</a:t>
+            </a:r>
+            <a:r>
+              <a:rPr lang="ja-JP" altLang="en-US" sz="1200">
+                <a:latin typeface="MS PMincho"/>
+                <a:ea typeface="MS PMincho"/>
+                <a:cs typeface="+mn-lt"/>
+              </a:rPr>
+              <a:t>所</a:t>
+            </a:r>
+            <a:r>
+              <a:rPr lang="ja-JP" sz="1200">
+                <a:latin typeface="MS PMincho"/>
+                <a:ea typeface="MS PMincho"/>
+                <a:cs typeface="+mn-lt"/>
+              </a:rPr>
+              <a:t>
+総合公園</a:t>
+            </a:r>
+            <a:r>
+              <a:rPr lang="en-US" altLang="ja-JP" sz="1200">
+                <a:latin typeface="MS PMincho"/>
+                <a:ea typeface="+mn-lt"/>
+                <a:cs typeface="+mn-lt"/>
+              </a:rPr>
+              <a:t>:</a:t>
+            </a:r>
+            <a:r>
+              <a:rPr lang="ja-JP" sz="1200">
+                <a:latin typeface="MS PMincho"/>
+                <a:ea typeface="MS PMincho"/>
+                <a:cs typeface="+mn-lt"/>
+              </a:rPr>
+              <a:t>46ヶ</a:t>
+            </a:r>
+            <a:r>
+              <a:rPr lang="ja-JP" altLang="en-US" sz="1200">
+                <a:latin typeface="MS PMincho"/>
+                <a:ea typeface="MS PMincho"/>
+                <a:cs typeface="+mn-lt"/>
+              </a:rPr>
+              <a:t>所</a:t>
+            </a:r>
+            <a:r>
+              <a:rPr lang="ja-JP" sz="1200">
+                <a:latin typeface="MS PMincho"/>
+                <a:ea typeface="MS PMincho"/>
+                <a:cs typeface="+mn-lt"/>
+              </a:rPr>
+              <a:t>
+広域公園15</a:t>
+            </a:r>
+            <a:r>
+              <a:rPr lang="ja-JP" altLang="en-US" sz="1200">
+                <a:latin typeface="MS PMincho"/>
+                <a:ea typeface="MS PMincho"/>
+                <a:cs typeface="+mn-lt"/>
+              </a:rPr>
+              <a:t>ヶ所</a:t>
+            </a:r>
+            <a:r>
+              <a:rPr lang="ja-JP" sz="1200">
+                <a:latin typeface="MS PMincho"/>
+                <a:ea typeface="MS PMincho"/>
+                <a:cs typeface="+mn-lt"/>
+              </a:rPr>
+              <a:t>
+広場公園11</a:t>
+            </a:r>
+            <a:r>
+              <a:rPr lang="ja-JP" altLang="en-US" sz="1200">
+                <a:latin typeface="MS PMincho"/>
+                <a:ea typeface="MS PMincho"/>
+                <a:cs typeface="+mn-lt"/>
+              </a:rPr>
+              <a:t>ヶ所</a:t>
+            </a:r>
+            <a:r>
+              <a:rPr lang="ja-JP" sz="1200">
+                <a:latin typeface="MS PMincho"/>
+                <a:ea typeface="MS PMincho"/>
+                <a:cs typeface="+mn-lt"/>
+              </a:rPr>
+              <a:t>
+緩衝緑地2</a:t>
+            </a:r>
+            <a:r>
+              <a:rPr lang="ja-JP" altLang="en-US" sz="1200">
+                <a:latin typeface="MS PMincho"/>
+                <a:ea typeface="MS PMincho"/>
+                <a:cs typeface="+mn-lt"/>
+              </a:rPr>
+              <a:t>ヶ所</a:t>
+            </a:r>
+            <a:r>
+              <a:rPr lang="ja-JP" sz="1200">
+                <a:latin typeface="MS PMincho"/>
+                <a:ea typeface="MS PMincho"/>
+                <a:cs typeface="+mn-lt"/>
+              </a:rPr>
+              <a:t>
+地区公園2</a:t>
+            </a:r>
+            <a:r>
+              <a:rPr lang="ja-JP" altLang="en-US" sz="1200">
+                <a:latin typeface="MS PMincho"/>
+                <a:ea typeface="MS PMincho"/>
+                <a:cs typeface="+mn-lt"/>
+              </a:rPr>
+              <a:t>ヶ所</a:t>
+            </a:r>
+          </a:p>
+          <a:p>
+            <a:r>
+              <a:rPr lang="ja-JP" sz="1200">
+                <a:latin typeface="MS PMincho"/>
+                <a:ea typeface="MS PMincho"/>
+                <a:cs typeface="+mn-lt"/>
+              </a:rPr>
+              <a:t>風致公園</a:t>
+            </a:r>
+            <a:r>
+              <a:rPr lang="ja-JP" altLang="en-US" sz="1200">
+                <a:latin typeface="MS PMincho"/>
+                <a:ea typeface="MS PMincho"/>
+                <a:cs typeface="+mn-lt"/>
+              </a:rPr>
+              <a:t>2</a:t>
+            </a:r>
+            <a:r>
+              <a:rPr lang="ja-JP" sz="1200">
+                <a:latin typeface="MS PMincho"/>
+                <a:ea typeface="MS PMincho"/>
+                <a:cs typeface="+mn-lt"/>
+              </a:rPr>
+              <a:t>ヶ所</a:t>
+            </a:r>
+            <a:endParaRPr lang="ja-JP" altLang="en-US" sz="1200">
+              <a:latin typeface="MS PMincho"/>
+              <a:ea typeface="MS PMincho"/>
+            </a:endParaRPr>
+          </a:p>
+          <a:p>
+            <a:endParaRPr lang="ja-JP" altLang="en-US">
+              <a:ea typeface="ＭＳ Ｐ明朝"/>
+            </a:endParaRPr>
+          </a:p>
+        </p:txBody>
+      </p:sp>
+      <p:sp>
+        <p:nvSpPr>
+          <p:cNvPr id="15" name="テキスト ボックス 14">
+            <a:extLst>
+              <a:ext uri="{FF2B5EF4-FFF2-40B4-BE49-F238E27FC236}">
+                <a16:creationId xmlns:a16="http://schemas.microsoft.com/office/drawing/2014/main" id="{4BD870E5-F15F-9C4C-BC44-DD4BE27C897C}"/>
+              </a:ext>
+            </a:extLst>
+          </p:cNvPr>
+          <p:cNvSpPr txBox="1"/>
+          <p:nvPr/>
+        </p:nvSpPr>
+        <p:spPr>
+          <a:xfrm>
+            <a:off x="6406445" y="5484518"/>
+            <a:ext cx="1364072" cy="369332"/>
+          </a:xfrm>
+          <a:prstGeom prst="rect">
+            <a:avLst/>
+          </a:prstGeom>
+          <a:noFill/>
+        </p:spPr>
+        <p:txBody>
+          <a:bodyPr rot="0" spcFirstLastPara="0" vertOverflow="overflow" horzOverflow="overflow" vert="horz" wrap="square" lIns="91440" tIns="45720" rIns="91440" bIns="45720" numCol="1" spcCol="0" rtlCol="0" fromWordArt="0" anchor="t" anchorCtr="0" forceAA="0" compatLnSpc="1">
+            <a:prstTxWarp prst="textNoShape">
+              <a:avLst/>
+            </a:prstTxWarp>
+            <a:spAutoFit/>
+          </a:bodyPr>
+          <a:lstStyle/>
+          <a:p>
+            <a:pPr algn="l"/>
+            <a:r>
+              <a:rPr lang="ja-JP" altLang="en-US">
+                <a:ea typeface="ＭＳ Ｐ明朝"/>
+              </a:rPr>
+              <a:t>（図４）</a:t>
+            </a:r>
+          </a:p>
+        </p:txBody>
+      </p:sp>
+      <p:sp>
+        <p:nvSpPr>
+          <p:cNvPr id="18" name="テキスト ボックス 17">
+            <a:extLst>
+              <a:ext uri="{FF2B5EF4-FFF2-40B4-BE49-F238E27FC236}">
+                <a16:creationId xmlns:a16="http://schemas.microsoft.com/office/drawing/2014/main" id="{E9FB1541-01BD-1CF1-7CD7-14E78FAD05F6}"/>
+              </a:ext>
+            </a:extLst>
+          </p:cNvPr>
+          <p:cNvSpPr txBox="1"/>
+          <p:nvPr/>
+        </p:nvSpPr>
+        <p:spPr>
+          <a:xfrm>
+            <a:off x="620891" y="4967111"/>
+            <a:ext cx="4910664" cy="738664"/>
+          </a:xfrm>
+          <a:prstGeom prst="rect">
+            <a:avLst/>
+          </a:prstGeom>
+          <a:noFill/>
+        </p:spPr>
+        <p:txBody>
+          <a:bodyPr rot="0" spcFirstLastPara="0" vertOverflow="overflow" horzOverflow="overflow" vert="horz" wrap="square" lIns="91440" tIns="45720" rIns="91440" bIns="45720" numCol="1" spcCol="0" rtlCol="0" fromWordArt="0" anchor="t" anchorCtr="0" forceAA="0" compatLnSpc="1">
+            <a:prstTxWarp prst="textNoShape">
+              <a:avLst/>
+            </a:prstTxWarp>
+            <a:spAutoFit/>
+          </a:bodyPr>
+          <a:lstStyle/>
+          <a:p>
+            <a:r>
+              <a:rPr lang="ja-JP" altLang="en-US" sz="1400">
+                <a:latin typeface="MS PMincho"/>
+                <a:ea typeface="MS PMincho"/>
+                <a:cs typeface="Calibri"/>
+              </a:rPr>
+              <a:t>※図4〜７のカントリーは</a:t>
+            </a:r>
+            <a:r>
+              <a:rPr lang="ja-JP" sz="1400">
+                <a:latin typeface="MS PMincho"/>
+                <a:ea typeface="MS PMincho"/>
+                <a:cs typeface="Calibri"/>
+              </a:rPr>
+              <a:t>地区公園（カントリーパーク）</a:t>
+            </a:r>
+            <a:r>
+              <a:rPr lang="ja-JP" altLang="en-US" sz="1400">
+                <a:latin typeface="MS PMincho"/>
+                <a:ea typeface="MS PMincho"/>
+                <a:cs typeface="Calibri"/>
+              </a:rPr>
+              <a:t>のこと</a:t>
+            </a:r>
+          </a:p>
+          <a:p>
+            <a:r>
+              <a:rPr lang="ja-JP" altLang="en-US" sz="1400">
+                <a:latin typeface="MS PMincho"/>
+                <a:ea typeface="MS PMincho"/>
+                <a:cs typeface="Calibri"/>
+              </a:rPr>
+              <a:t>※最後のページに公園種別についての説明の付録がありますので、適宜ご確認ください。</a:t>
+            </a:r>
+          </a:p>
+        </p:txBody>
+      </p:sp>
+      <p:sp>
+        <p:nvSpPr>
+          <p:cNvPr id="19" name="テキスト ボックス 18">
+            <a:extLst>
+              <a:ext uri="{FF2B5EF4-FFF2-40B4-BE49-F238E27FC236}">
+                <a16:creationId xmlns:a16="http://schemas.microsoft.com/office/drawing/2014/main" id="{A56B039B-017A-7311-82AE-D70ED65B4ABB}"/>
+              </a:ext>
+            </a:extLst>
+          </p:cNvPr>
+          <p:cNvSpPr txBox="1"/>
+          <p:nvPr/>
+        </p:nvSpPr>
+        <p:spPr>
+          <a:xfrm>
+            <a:off x="856074" y="4534370"/>
+            <a:ext cx="2743200" cy="246221"/>
+          </a:xfrm>
+          <a:prstGeom prst="rect">
+            <a:avLst/>
+          </a:prstGeom>
+          <a:noFill/>
+        </p:spPr>
+        <p:txBody>
+          <a:bodyPr rot="0" spcFirstLastPara="0" vertOverflow="overflow" horzOverflow="overflow" vert="horz" wrap="square" lIns="91440" tIns="45720" rIns="91440" bIns="45720" numCol="1" spcCol="0" rtlCol="0" fromWordArt="0" anchor="t" anchorCtr="0" forceAA="0" compatLnSpc="1">
+            <a:prstTxWarp prst="textNoShape">
+              <a:avLst/>
+            </a:prstTxWarp>
+            <a:spAutoFit/>
+          </a:bodyPr>
+          <a:lstStyle/>
+          <a:p>
+            <a:pPr algn="l"/>
+            <a:r>
+              <a:rPr lang="ja-JP" altLang="en-US" sz="1000">
+                <a:ea typeface="游ゴシック"/>
+                <a:cs typeface="Calibri"/>
+              </a:rPr>
+              <a:t>表１</a:t>
+            </a:r>
+            <a:endParaRPr lang="ja-JP" altLang="en-US" sz="1000"/>
+          </a:p>
+        </p:txBody>
+      </p:sp>
+      <p:pic>
+        <p:nvPicPr>
+          <p:cNvPr id="26" name="図 25" descr="グラフ, 棒グラフ&#10;&#10;説明は自動で生成されたものです">
+            <a:extLst>
+              <a:ext uri="{FF2B5EF4-FFF2-40B4-BE49-F238E27FC236}">
+                <a16:creationId xmlns:a16="http://schemas.microsoft.com/office/drawing/2014/main" id="{E79D8DB5-925E-C8F6-8C31-C11F74E260EC}"/>
+              </a:ext>
+            </a:extLst>
+          </p:cNvPr>
+          <p:cNvPicPr>
+            <a:picLocks noChangeAspect="1"/>
+          </p:cNvPicPr>
+          <p:nvPr/>
+        </p:nvPicPr>
+        <p:blipFill>
+          <a:blip r:embed="rId2"/>
+          <a:stretch>
+            <a:fillRect/>
+          </a:stretch>
+        </p:blipFill>
+        <p:spPr>
+          <a:xfrm>
+            <a:off x="5633013" y="1349267"/>
+            <a:ext cx="6096000" cy="3985846"/>
+          </a:xfrm>
+          <a:prstGeom prst="rect">
+            <a:avLst/>
+          </a:prstGeom>
+        </p:spPr>
+      </p:pic>
+    </p:spTree>
+    <p:extLst>
+      <p:ext uri="{BB962C8B-B14F-4D97-AF65-F5344CB8AC3E}">
+        <p14:creationId xmlns:p14="http://schemas.microsoft.com/office/powerpoint/2010/main" val="455351923"/>
+      </p:ext>
+    </p:extLst>
+  </p:cSld>
+  <p:clrMapOvr>
+    <a:masterClrMapping/>
+  </p:clrMapOvr>
+</p:sld>
+</file>
+
+<file path=ppt/slides/slide11.xml><?xml version="1.0" encoding="utf-8"?>
+<p:sld xmlns:a="http://schemas.openxmlformats.org/drawingml/2006/main" xmlns:r="http://schemas.openxmlformats.org/officeDocument/2006/relationships" xmlns:p="http://schemas.openxmlformats.org/presentationml/2006/main">
+  <p:cSld>
+    <p:bg>
+      <p:bgPr>
+        <a:solidFill>
+          <a:schemeClr val="bg1"/>
+        </a:solidFill>
+        <a:effectLst/>
+      </p:bgPr>
+    </p:bg>
+    <p:spTree>
+      <p:nvGrpSpPr>
+        <p:cNvPr id="1" name=""/>
+        <p:cNvGrpSpPr/>
+        <p:nvPr/>
+      </p:nvGrpSpPr>
+      <p:grpSpPr>
+        <a:xfrm>
+          <a:off x="0" y="0"/>
+          <a:ext cx="0" cy="0"/>
+          <a:chOff x="0" y="0"/>
+          <a:chExt cx="0" cy="0"/>
+        </a:xfrm>
+      </p:grpSpPr>
+      <p:sp>
+        <p:nvSpPr>
+          <p:cNvPr id="4" name="スライド番号プレースホルダー 3">
+            <a:extLst>
+              <a:ext uri="{FF2B5EF4-FFF2-40B4-BE49-F238E27FC236}">
+                <a16:creationId xmlns:a16="http://schemas.microsoft.com/office/drawing/2014/main" id="{3E494E97-FD4D-0980-2F14-AF9ACC785581}"/>
+              </a:ext>
+            </a:extLst>
+          </p:cNvPr>
+          <p:cNvSpPr>
+            <a:spLocks noGrp="1"/>
+          </p:cNvSpPr>
+          <p:nvPr>
+            <p:ph type="sldNum" sz="quarter" idx="12"/>
+          </p:nvPr>
+        </p:nvSpPr>
+        <p:spPr/>
+        <p:txBody>
+          <a:bodyPr/>
+          <a:lstStyle/>
+          <a:p>
+            <a:fld id="{5D84065D-F351-4B03-BD91-D8A6B8D4B362}" type="slidenum">
+              <a:rPr lang="en-US" dirty="0"/>
+              <a:t>11</a:t>
+            </a:fld>
+            <a:endParaRPr lang="ja-JP" altLang="en-US"/>
+          </a:p>
+        </p:txBody>
+      </p:sp>
+      <p:sp>
+        <p:nvSpPr>
+          <p:cNvPr id="9" name="タイトル 1">
+            <a:extLst>
+              <a:ext uri="{FF2B5EF4-FFF2-40B4-BE49-F238E27FC236}">
+                <a16:creationId xmlns:a16="http://schemas.microsoft.com/office/drawing/2014/main" id="{4D54F335-21A6-5D3E-9AC9-36C220E25037}"/>
+              </a:ext>
+            </a:extLst>
+          </p:cNvPr>
+          <p:cNvSpPr txBox="1">
+            <a:spLocks/>
+          </p:cNvSpPr>
+          <p:nvPr/>
+        </p:nvSpPr>
+        <p:spPr>
+          <a:xfrm>
+            <a:off x="1182513" y="746947"/>
+            <a:ext cx="9601196" cy="673571"/>
+          </a:xfrm>
+          <a:prstGeom prst="rect">
+            <a:avLst/>
+          </a:prstGeom>
+        </p:spPr>
+        <p:txBody>
+          <a:bodyPr vert="horz" lIns="91440" tIns="45720" rIns="91440" bIns="45720" rtlCol="0" anchor="ctr">
+            <a:normAutofit fontScale="97500" lnSpcReduction="10000"/>
+          </a:bodyPr>
+          <a:lstStyle>
+            <a:lvl1pPr algn="l" defTabSz="914400" rtl="0" eaLnBrk="1" latinLnBrk="0" hangingPunct="1">
+              <a:lnSpc>
+                <a:spcPct val="90000"/>
+              </a:lnSpc>
+              <a:spcBef>
+                <a:spcPct val="0"/>
+              </a:spcBef>
+              <a:buNone/>
+              <a:defRPr sz="4400" kern="1200">
+                <a:solidFill>
+                  <a:schemeClr val="tx1"/>
+                </a:solidFill>
+                <a:latin typeface="+mj-lt"/>
+                <a:ea typeface="+mj-ea"/>
+                <a:cs typeface="+mj-cs"/>
+              </a:defRPr>
+            </a:lvl1pPr>
+          </a:lstStyle>
+          <a:p>
+            <a:r>
+              <a:rPr kumimoji="0" lang="ja-JP" altLang="en-US">
+                <a:latin typeface="MS PMincho"/>
+                <a:ea typeface="MS PMincho"/>
+              </a:rPr>
+              <a:t>分析結果（公園のタイプ）</a:t>
+            </a:r>
+            <a:endParaRPr kumimoji="1" lang="ja-JP" altLang="en-US">
+              <a:latin typeface="MS PMincho"/>
+              <a:ea typeface="MS PMincho"/>
+            </a:endParaRPr>
+          </a:p>
+        </p:txBody>
+      </p:sp>
+      <p:pic>
+        <p:nvPicPr>
+          <p:cNvPr id="21" name="図 20" descr="グラフ&#10;&#10;説明は自動で生成されたものです">
+            <a:extLst>
+              <a:ext uri="{FF2B5EF4-FFF2-40B4-BE49-F238E27FC236}">
+                <a16:creationId xmlns:a16="http://schemas.microsoft.com/office/drawing/2014/main" id="{F0F08F54-E0C2-9C13-3426-F599D5557074}"/>
+              </a:ext>
+            </a:extLst>
+          </p:cNvPr>
+          <p:cNvPicPr>
+            <a:picLocks noChangeAspect="1"/>
+          </p:cNvPicPr>
+          <p:nvPr/>
+        </p:nvPicPr>
+        <p:blipFill>
+          <a:blip r:embed="rId2"/>
+          <a:stretch>
+            <a:fillRect/>
+          </a:stretch>
+        </p:blipFill>
+        <p:spPr>
+          <a:xfrm>
+            <a:off x="223906" y="1535575"/>
+            <a:ext cx="5513150" cy="4114800"/>
+          </a:xfrm>
+          <a:prstGeom prst="rect">
+            <a:avLst/>
+          </a:prstGeom>
+        </p:spPr>
+      </p:pic>
+      <p:sp>
+        <p:nvSpPr>
+          <p:cNvPr id="23" name="テキスト ボックス 22">
+            <a:extLst>
+              <a:ext uri="{FF2B5EF4-FFF2-40B4-BE49-F238E27FC236}">
+                <a16:creationId xmlns:a16="http://schemas.microsoft.com/office/drawing/2014/main" id="{249BC2D7-62E9-C359-6312-1958F70B910D}"/>
+              </a:ext>
+            </a:extLst>
+          </p:cNvPr>
+          <p:cNvSpPr txBox="1"/>
+          <p:nvPr/>
+        </p:nvSpPr>
+        <p:spPr>
+          <a:xfrm>
+            <a:off x="549797" y="5652303"/>
+            <a:ext cx="8642430" cy="369332"/>
+          </a:xfrm>
+          <a:prstGeom prst="rect">
+            <a:avLst/>
+          </a:prstGeom>
+          <a:noFill/>
+        </p:spPr>
+        <p:txBody>
+          <a:bodyPr rot="0" spcFirstLastPara="0" vertOverflow="overflow" horzOverflow="overflow" vert="horz" wrap="square" lIns="91440" tIns="45720" rIns="91440" bIns="45720" numCol="1" spcCol="0" rtlCol="0" fromWordArt="0" anchor="t" anchorCtr="0" forceAA="0" compatLnSpc="1">
+            <a:prstTxWarp prst="textNoShape">
+              <a:avLst/>
+            </a:prstTxWarp>
+            <a:spAutoFit/>
+          </a:bodyPr>
+          <a:lstStyle/>
+          <a:p>
+            <a:r>
+              <a:rPr lang="ja-JP" altLang="en-US">
+                <a:ea typeface="游ゴシック"/>
+                <a:cs typeface="Calibri"/>
+              </a:rPr>
+              <a:t>（図５）　　　　　　　　　　　　　　　　　　　　　　（図６）</a:t>
+            </a:r>
+            <a:endParaRPr lang="ja-JP" altLang="en-US"/>
+          </a:p>
+        </p:txBody>
+      </p:sp>
+      <p:pic>
+        <p:nvPicPr>
+          <p:cNvPr id="26" name="図 25" descr="グラフ, ウォーターフォール図&#10;&#10;説明は自動で生成されたものです">
+            <a:extLst>
+              <a:ext uri="{FF2B5EF4-FFF2-40B4-BE49-F238E27FC236}">
+                <a16:creationId xmlns:a16="http://schemas.microsoft.com/office/drawing/2014/main" id="{BA036711-684C-1258-3A59-37FCB0DDE308}"/>
+              </a:ext>
+            </a:extLst>
+          </p:cNvPr>
+          <p:cNvPicPr>
+            <a:picLocks noChangeAspect="1"/>
+          </p:cNvPicPr>
+          <p:nvPr/>
+        </p:nvPicPr>
+        <p:blipFill>
+          <a:blip r:embed="rId3"/>
+          <a:stretch>
+            <a:fillRect/>
+          </a:stretch>
+        </p:blipFill>
+        <p:spPr>
+          <a:xfrm>
+            <a:off x="5741172" y="1535575"/>
+            <a:ext cx="6072593" cy="4114800"/>
+          </a:xfrm>
+          <a:prstGeom prst="rect">
+            <a:avLst/>
+          </a:prstGeom>
+        </p:spPr>
+      </p:pic>
+    </p:spTree>
+    <p:extLst>
+      <p:ext uri="{BB962C8B-B14F-4D97-AF65-F5344CB8AC3E}">
+        <p14:creationId xmlns:p14="http://schemas.microsoft.com/office/powerpoint/2010/main" val="2951956763"/>
+      </p:ext>
+    </p:extLst>
+  </p:cSld>
+  <p:clrMapOvr>
+    <a:masterClrMapping/>
+  </p:clrMapOvr>
+</p:sld>
+</file>
+
+<file path=ppt/slides/slide12.xml><?xml version="1.0" encoding="utf-8"?>
+<p:sld xmlns:a="http://schemas.openxmlformats.org/drawingml/2006/main" xmlns:r="http://schemas.openxmlformats.org/officeDocument/2006/relationships" xmlns:p="http://schemas.openxmlformats.org/presentationml/2006/main">
+  <p:cSld>
+    <p:bg>
+      <p:bgPr>
+        <a:solidFill>
+          <a:schemeClr val="bg1"/>
+        </a:solidFill>
+        <a:effectLst/>
+      </p:bgPr>
+    </p:bg>
+    <p:spTree>
+      <p:nvGrpSpPr>
+        <p:cNvPr id="1" name=""/>
+        <p:cNvGrpSpPr/>
+        <p:nvPr/>
+      </p:nvGrpSpPr>
+      <p:grpSpPr>
+        <a:xfrm>
+          <a:off x="0" y="0"/>
+          <a:ext cx="0" cy="0"/>
+          <a:chOff x="0" y="0"/>
+          <a:chExt cx="0" cy="0"/>
+        </a:xfrm>
+      </p:grpSpPr>
       <p:sp useBgFill="1">
         <p:nvSpPr>
           <p:cNvPr id="9" name="Rectangle 8">
@@ -8449,7 +9598,7 @@
         </p:spPr>
         <p:txBody>
           <a:bodyPr vert="horz" lIns="91440" tIns="45720" rIns="91440" bIns="45720" rtlCol="0" anchor="ctr">
-            <a:normAutofit lnSpcReduction="10000"/>
+            <a:normAutofit/>
           </a:bodyPr>
           <a:lstStyle/>
           <a:p>
@@ -8580,32 +9729,6 @@
                 <a:cs typeface="Calibri"/>
               </a:rPr>
               <a:t>・街区公園や近隣公園のような比較的小さな公園が多数を占める。</a:t>
-            </a:r>
-          </a:p>
-          <a:p>
-            <a:pPr marL="0" indent="0">
-              <a:buNone/>
-            </a:pPr>
-            <a:r>
-              <a:rPr lang="ja-JP" altLang="en-US" sz="1800">
-                <a:latin typeface="MS PMincho"/>
-                <a:ea typeface="MS PMincho"/>
-                <a:cs typeface="Calibri"/>
-              </a:rPr>
-              <a:t>・多くの公園にトイレや水飲み・手洗いのような設備が備わっている可能性が高い。</a:t>
-            </a:r>
-          </a:p>
-          <a:p>
-            <a:pPr marL="0" indent="0">
-              <a:buNone/>
-            </a:pPr>
-            <a:r>
-              <a:rPr lang="ja-JP" altLang="en-US" sz="1800">
-                <a:latin typeface="MS PMincho"/>
-                <a:ea typeface="MS PMincho"/>
-                <a:cs typeface="Calibri"/>
-              </a:rPr>
-              <a:t>・多くの公園は避難場所として指定される。</a:t>
             </a:r>
           </a:p>
           <a:p>
@@ -8663,7 +9786,7 @@
                   <a:spcPts val="600"/>
                 </a:spcAft>
               </a:pPr>
-              <a:t>10</a:t>
+              <a:t>12</a:t>
             </a:fld>
             <a:endParaRPr lang="ja-JP" altLang="en-US"/>
           </a:p>
@@ -8682,7 +9805,7 @@
 </p:sld>
 </file>
 
-<file path=ppt/slides/slide11.xml><?xml version="1.0" encoding="utf-8"?>
+<file path=ppt/slides/slide13.xml><?xml version="1.0" encoding="utf-8"?>
 <p:sld xmlns:a="http://schemas.openxmlformats.org/drawingml/2006/main" xmlns:r="http://schemas.openxmlformats.org/officeDocument/2006/relationships" xmlns:p="http://schemas.openxmlformats.org/presentationml/2006/main">
   <p:cSld>
     <p:bg>
@@ -9207,7 +10330,7 @@
                   <a:spcPts val="600"/>
                 </a:spcAft>
               </a:pPr>
-              <a:t>11</a:t>
+              <a:t>13</a:t>
             </a:fld>
             <a:endParaRPr lang="ja-JP" altLang="en-US"/>
           </a:p>
@@ -9226,7 +10349,7 @@
 </p:sld>
 </file>
 
-<file path=ppt/slides/slide12.xml><?xml version="1.0" encoding="utf-8"?>
+<file path=ppt/slides/slide14.xml><?xml version="1.0" encoding="utf-8"?>
 <p:sld xmlns:a="http://schemas.openxmlformats.org/drawingml/2006/main" xmlns:r="http://schemas.openxmlformats.org/officeDocument/2006/relationships" xmlns:p="http://schemas.openxmlformats.org/presentationml/2006/main">
   <p:cSld>
     <p:bg>
@@ -9774,7 +10897,7 @@
                   <a:spcPts val="600"/>
                 </a:spcAft>
               </a:pPr>
-              <a:t>12</a:t>
+              <a:t>14</a:t>
             </a:fld>
             <a:endParaRPr lang="en-US"/>
           </a:p>
@@ -9793,7 +10916,7 @@
 </p:sld>
 </file>
 
-<file path=ppt/slides/slide13.xml><?xml version="1.0" encoding="utf-8"?>
+<file path=ppt/slides/slide15.xml><?xml version="1.0" encoding="utf-8"?>
 <p:sld xmlns:a="http://schemas.openxmlformats.org/drawingml/2006/main" xmlns:r="http://schemas.openxmlformats.org/officeDocument/2006/relationships" xmlns:p="http://schemas.openxmlformats.org/presentationml/2006/main">
   <p:cSld>
     <p:spTree>
@@ -10396,7 +11519,7 @@
           <a:p>
             <a:fld id="{48F63A3B-78C7-47BE-AE5E-E10140E04643}" type="slidenum">
               <a:rPr lang="en-US" dirty="0"/>
-              <a:t>13</a:t>
+              <a:t>15</a:t>
             </a:fld>
             <a:endParaRPr lang="en-US"/>
           </a:p>
@@ -12240,6 +13363,445 @@
 <file path=ppt/slides/slide5.xml><?xml version="1.0" encoding="utf-8"?>
 <p:sld xmlns:a="http://schemas.openxmlformats.org/drawingml/2006/main" xmlns:r="http://schemas.openxmlformats.org/officeDocument/2006/relationships" xmlns:p="http://schemas.openxmlformats.org/presentationml/2006/main">
   <p:cSld>
+    <p:spTree>
+      <p:nvGrpSpPr>
+        <p:cNvPr id="1" name=""/>
+        <p:cNvGrpSpPr/>
+        <p:nvPr/>
+      </p:nvGrpSpPr>
+      <p:grpSpPr>
+        <a:xfrm>
+          <a:off x="0" y="0"/>
+          <a:ext cx="0" cy="0"/>
+          <a:chOff x="0" y="0"/>
+          <a:chExt cx="0" cy="0"/>
+        </a:xfrm>
+      </p:grpSpPr>
+      <p:sp>
+        <p:nvSpPr>
+          <p:cNvPr id="2" name="タイトル 1">
+            <a:extLst>
+              <a:ext uri="{FF2B5EF4-FFF2-40B4-BE49-F238E27FC236}">
+                <a16:creationId xmlns:a16="http://schemas.microsoft.com/office/drawing/2014/main" id="{D31A491D-77E9-0D69-B7C3-BBF5257F0710}"/>
+              </a:ext>
+            </a:extLst>
+          </p:cNvPr>
+          <p:cNvSpPr>
+            <a:spLocks noGrp="1"/>
+          </p:cNvSpPr>
+          <p:nvPr>
+            <p:ph type="title"/>
+          </p:nvPr>
+        </p:nvSpPr>
+        <p:spPr>
+          <a:xfrm>
+            <a:off x="838200" y="365125"/>
+            <a:ext cx="2442029" cy="236992"/>
+          </a:xfrm>
+        </p:spPr>
+        <p:txBody>
+          <a:bodyPr>
+            <a:normAutofit fontScale="90000"/>
+          </a:bodyPr>
+          <a:lstStyle/>
+          <a:p>
+            <a:r>
+              <a:rPr lang="ja-JP" altLang="en-US" sz="2000">
+                <a:ea typeface="游ゴシック Light"/>
+                <a:cs typeface="Calibri Light"/>
+              </a:rPr>
+              <a:t>重要な基本統計量①</a:t>
+            </a:r>
+            <a:endParaRPr kumimoji="1" lang="ja-JP" altLang="en-US" sz="2000"/>
+          </a:p>
+        </p:txBody>
+      </p:sp>
+      <p:sp>
+        <p:nvSpPr>
+          <p:cNvPr id="4" name="スライド番号プレースホルダー 3">
+            <a:extLst>
+              <a:ext uri="{FF2B5EF4-FFF2-40B4-BE49-F238E27FC236}">
+                <a16:creationId xmlns:a16="http://schemas.microsoft.com/office/drawing/2014/main" id="{30D9BCEE-020F-B55C-AB8C-D662492DFD1B}"/>
+              </a:ext>
+            </a:extLst>
+          </p:cNvPr>
+          <p:cNvSpPr>
+            <a:spLocks noGrp="1"/>
+          </p:cNvSpPr>
+          <p:nvPr>
+            <p:ph type="sldNum" sz="quarter" idx="12"/>
+          </p:nvPr>
+        </p:nvSpPr>
+        <p:spPr/>
+        <p:txBody>
+          <a:bodyPr/>
+          <a:lstStyle/>
+          <a:p>
+            <a:fld id="{48F63A3B-78C7-47BE-AE5E-E10140E04643}" type="slidenum">
+              <a:rPr lang="en-US" dirty="0"/>
+              <a:t>5</a:t>
+            </a:fld>
+            <a:endParaRPr lang="en-US"/>
+          </a:p>
+        </p:txBody>
+      </p:sp>
+      <p:pic>
+        <p:nvPicPr>
+          <p:cNvPr id="5" name="図 4" descr="グラフ, ヒストグラム&#10;&#10;説明は自動で生成されたものです">
+            <a:extLst>
+              <a:ext uri="{FF2B5EF4-FFF2-40B4-BE49-F238E27FC236}">
+                <a16:creationId xmlns:a16="http://schemas.microsoft.com/office/drawing/2014/main" id="{2E162A78-1339-D454-90A2-11F5B2F7D6F9}"/>
+              </a:ext>
+            </a:extLst>
+          </p:cNvPr>
+          <p:cNvPicPr>
+            <a:picLocks noChangeAspect="1"/>
+          </p:cNvPicPr>
+          <p:nvPr/>
+        </p:nvPicPr>
+        <p:blipFill>
+          <a:blip r:embed="rId2"/>
+          <a:stretch>
+            <a:fillRect/>
+          </a:stretch>
+        </p:blipFill>
+        <p:spPr>
+          <a:xfrm>
+            <a:off x="1401704" y="722308"/>
+            <a:ext cx="9209851" cy="5526271"/>
+          </a:xfrm>
+          <a:prstGeom prst="rect">
+            <a:avLst/>
+          </a:prstGeom>
+        </p:spPr>
+      </p:pic>
+    </p:spTree>
+    <p:extLst>
+      <p:ext uri="{BB962C8B-B14F-4D97-AF65-F5344CB8AC3E}">
+        <p14:creationId xmlns:p14="http://schemas.microsoft.com/office/powerpoint/2010/main" val="4064398456"/>
+      </p:ext>
+    </p:extLst>
+  </p:cSld>
+  <p:clrMapOvr>
+    <a:masterClrMapping/>
+  </p:clrMapOvr>
+</p:sld>
+</file>
+
+<file path=ppt/slides/slide6.xml><?xml version="1.0" encoding="utf-8"?>
+<p:sld xmlns:a="http://schemas.openxmlformats.org/drawingml/2006/main" xmlns:r="http://schemas.openxmlformats.org/officeDocument/2006/relationships" xmlns:p="http://schemas.openxmlformats.org/presentationml/2006/main">
+  <p:cSld>
+    <p:spTree>
+      <p:nvGrpSpPr>
+        <p:cNvPr id="1" name=""/>
+        <p:cNvGrpSpPr/>
+        <p:nvPr/>
+      </p:nvGrpSpPr>
+      <p:grpSpPr>
+        <a:xfrm>
+          <a:off x="0" y="0"/>
+          <a:ext cx="0" cy="0"/>
+          <a:chOff x="0" y="0"/>
+          <a:chExt cx="0" cy="0"/>
+        </a:xfrm>
+      </p:grpSpPr>
+      <p:sp>
+        <p:nvSpPr>
+          <p:cNvPr id="4" name="スライド番号プレースホルダー 3">
+            <a:extLst>
+              <a:ext uri="{FF2B5EF4-FFF2-40B4-BE49-F238E27FC236}">
+                <a16:creationId xmlns:a16="http://schemas.microsoft.com/office/drawing/2014/main" id="{CF6A3AB8-F299-513B-693B-8E42D83F4FD2}"/>
+              </a:ext>
+            </a:extLst>
+          </p:cNvPr>
+          <p:cNvSpPr>
+            <a:spLocks noGrp="1"/>
+          </p:cNvSpPr>
+          <p:nvPr>
+            <p:ph type="sldNum" sz="quarter" idx="12"/>
+          </p:nvPr>
+        </p:nvSpPr>
+        <p:spPr/>
+        <p:txBody>
+          <a:bodyPr/>
+          <a:lstStyle/>
+          <a:p>
+            <a:fld id="{48F63A3B-78C7-47BE-AE5E-E10140E04643}" type="slidenum">
+              <a:rPr lang="en-US" dirty="0"/>
+              <a:t>6</a:t>
+            </a:fld>
+            <a:endParaRPr lang="en-US"/>
+          </a:p>
+        </p:txBody>
+      </p:sp>
+      <p:sp>
+        <p:nvSpPr>
+          <p:cNvPr id="6" name="タイトル 1">
+            <a:extLst>
+              <a:ext uri="{FF2B5EF4-FFF2-40B4-BE49-F238E27FC236}">
+                <a16:creationId xmlns:a16="http://schemas.microsoft.com/office/drawing/2014/main" id="{A6D6E174-5E2D-473F-05B2-D26DEA7C1BB1}"/>
+              </a:ext>
+            </a:extLst>
+          </p:cNvPr>
+          <p:cNvSpPr>
+            <a:spLocks noGrp="1"/>
+          </p:cNvSpPr>
+          <p:nvPr>
+            <p:ph type="title"/>
+          </p:nvPr>
+        </p:nvSpPr>
+        <p:spPr>
+          <a:xfrm>
+            <a:off x="838200" y="365125"/>
+            <a:ext cx="2442029" cy="236992"/>
+          </a:xfrm>
+        </p:spPr>
+        <p:txBody>
+          <a:bodyPr>
+            <a:normAutofit fontScale="90000"/>
+          </a:bodyPr>
+          <a:lstStyle/>
+          <a:p>
+            <a:r>
+              <a:rPr lang="ja-JP" altLang="en-US" sz="2000">
+                <a:ea typeface="游ゴシック Light"/>
+                <a:cs typeface="Calibri Light"/>
+              </a:rPr>
+              <a:t>重要な基本統計量③</a:t>
+            </a:r>
+            <a:endParaRPr kumimoji="1" lang="ja-JP" altLang="en-US" sz="2000"/>
+          </a:p>
+        </p:txBody>
+      </p:sp>
+      <p:pic>
+        <p:nvPicPr>
+          <p:cNvPr id="8" name="図 7" descr="グラフ&#10;&#10;説明は自動で生成されたものです">
+            <a:extLst>
+              <a:ext uri="{FF2B5EF4-FFF2-40B4-BE49-F238E27FC236}">
+                <a16:creationId xmlns:a16="http://schemas.microsoft.com/office/drawing/2014/main" id="{3EA8EDB1-53B0-612B-F0DF-35D323477977}"/>
+              </a:ext>
+            </a:extLst>
+          </p:cNvPr>
+          <p:cNvPicPr>
+            <a:picLocks noChangeAspect="1"/>
+          </p:cNvPicPr>
+          <p:nvPr/>
+        </p:nvPicPr>
+        <p:blipFill>
+          <a:blip r:embed="rId2"/>
+          <a:stretch>
+            <a:fillRect/>
+          </a:stretch>
+        </p:blipFill>
+        <p:spPr>
+          <a:xfrm>
+            <a:off x="1627481" y="706284"/>
+            <a:ext cx="8937036" cy="5548914"/>
+          </a:xfrm>
+          <a:prstGeom prst="rect">
+            <a:avLst/>
+          </a:prstGeom>
+        </p:spPr>
+      </p:pic>
+      <p:sp>
+        <p:nvSpPr>
+          <p:cNvPr id="9" name="正方形/長方形 8">
+            <a:extLst>
+              <a:ext uri="{FF2B5EF4-FFF2-40B4-BE49-F238E27FC236}">
+                <a16:creationId xmlns:a16="http://schemas.microsoft.com/office/drawing/2014/main" id="{97C222C2-EE62-E311-4887-EE566BC390ED}"/>
+              </a:ext>
+            </a:extLst>
+          </p:cNvPr>
+          <p:cNvSpPr/>
+          <p:nvPr/>
+        </p:nvSpPr>
+        <p:spPr>
+          <a:xfrm>
+            <a:off x="1937925" y="771407"/>
+            <a:ext cx="395111" cy="150518"/>
+          </a:xfrm>
+          <a:prstGeom prst="rect">
+            <a:avLst/>
+          </a:prstGeom>
+          <a:solidFill>
+            <a:schemeClr val="bg1"/>
+          </a:solidFill>
+          <a:ln>
+            <a:noFill/>
+          </a:ln>
+        </p:spPr>
+        <p:style>
+          <a:lnRef idx="2">
+            <a:schemeClr val="accent1">
+              <a:shade val="15000"/>
+            </a:schemeClr>
+          </a:lnRef>
+          <a:fillRef idx="1">
+            <a:schemeClr val="accent1"/>
+          </a:fillRef>
+          <a:effectRef idx="0">
+            <a:schemeClr val="accent1"/>
+          </a:effectRef>
+          <a:fontRef idx="minor">
+            <a:schemeClr val="lt1"/>
+          </a:fontRef>
+        </p:style>
+        <p:txBody>
+          <a:bodyPr rtlCol="0" anchor="ctr"/>
+          <a:lstStyle/>
+          <a:p>
+            <a:pPr algn="ctr"/>
+            <a:endParaRPr lang="ja-JP" altLang="en-US" dirty="0">
+              <a:ea typeface="游ゴシック"/>
+              <a:cs typeface="Calibri"/>
+            </a:endParaRPr>
+          </a:p>
+        </p:txBody>
+      </p:sp>
+    </p:spTree>
+    <p:extLst>
+      <p:ext uri="{BB962C8B-B14F-4D97-AF65-F5344CB8AC3E}">
+        <p14:creationId xmlns:p14="http://schemas.microsoft.com/office/powerpoint/2010/main" val="2251281037"/>
+      </p:ext>
+    </p:extLst>
+  </p:cSld>
+  <p:clrMapOvr>
+    <a:masterClrMapping/>
+  </p:clrMapOvr>
+</p:sld>
+</file>
+
+<file path=ppt/slides/slide7.xml><?xml version="1.0" encoding="utf-8"?>
+<p:sld xmlns:a="http://schemas.openxmlformats.org/drawingml/2006/main" xmlns:r="http://schemas.openxmlformats.org/officeDocument/2006/relationships" xmlns:p="http://schemas.openxmlformats.org/presentationml/2006/main">
+  <p:cSld>
+    <p:spTree>
+      <p:nvGrpSpPr>
+        <p:cNvPr id="1" name=""/>
+        <p:cNvGrpSpPr/>
+        <p:nvPr/>
+      </p:nvGrpSpPr>
+      <p:grpSpPr>
+        <a:xfrm>
+          <a:off x="0" y="0"/>
+          <a:ext cx="0" cy="0"/>
+          <a:chOff x="0" y="0"/>
+          <a:chExt cx="0" cy="0"/>
+        </a:xfrm>
+      </p:grpSpPr>
+      <p:sp>
+        <p:nvSpPr>
+          <p:cNvPr id="4" name="スライド番号プレースホルダー 3">
+            <a:extLst>
+              <a:ext uri="{FF2B5EF4-FFF2-40B4-BE49-F238E27FC236}">
+                <a16:creationId xmlns:a16="http://schemas.microsoft.com/office/drawing/2014/main" id="{1675E8AC-464D-6B95-7C49-9FC95CBD7378}"/>
+              </a:ext>
+            </a:extLst>
+          </p:cNvPr>
+          <p:cNvSpPr>
+            <a:spLocks noGrp="1"/>
+          </p:cNvSpPr>
+          <p:nvPr>
+            <p:ph type="sldNum" sz="quarter" idx="12"/>
+          </p:nvPr>
+        </p:nvSpPr>
+        <p:spPr/>
+        <p:txBody>
+          <a:bodyPr/>
+          <a:lstStyle/>
+          <a:p>
+            <a:fld id="{48F63A3B-78C7-47BE-AE5E-E10140E04643}" type="slidenum">
+              <a:rPr lang="en-US" dirty="0"/>
+              <a:t>7</a:t>
+            </a:fld>
+            <a:endParaRPr lang="en-US"/>
+          </a:p>
+        </p:txBody>
+      </p:sp>
+      <p:sp>
+        <p:nvSpPr>
+          <p:cNvPr id="6" name="タイトル 1">
+            <a:extLst>
+              <a:ext uri="{FF2B5EF4-FFF2-40B4-BE49-F238E27FC236}">
+                <a16:creationId xmlns:a16="http://schemas.microsoft.com/office/drawing/2014/main" id="{4796A0C0-821F-EED3-5BB4-884029D62CE5}"/>
+              </a:ext>
+            </a:extLst>
+          </p:cNvPr>
+          <p:cNvSpPr>
+            <a:spLocks noGrp="1"/>
+          </p:cNvSpPr>
+          <p:nvPr>
+            <p:ph type="title"/>
+          </p:nvPr>
+        </p:nvSpPr>
+        <p:spPr>
+          <a:xfrm>
+            <a:off x="838200" y="365125"/>
+            <a:ext cx="2442029" cy="236992"/>
+          </a:xfrm>
+        </p:spPr>
+        <p:txBody>
+          <a:bodyPr>
+            <a:normAutofit fontScale="90000"/>
+          </a:bodyPr>
+          <a:lstStyle/>
+          <a:p>
+            <a:r>
+              <a:rPr lang="ja-JP" altLang="en-US" sz="2000">
+                <a:ea typeface="游ゴシック Light"/>
+                <a:cs typeface="Calibri Light"/>
+              </a:rPr>
+              <a:t>重要な基本統計量②</a:t>
+            </a:r>
+            <a:endParaRPr kumimoji="1" lang="ja-JP" altLang="en-US" sz="2000"/>
+          </a:p>
+        </p:txBody>
+      </p:sp>
+      <p:pic>
+        <p:nvPicPr>
+          <p:cNvPr id="7" name="図 6" descr="グラフ, 棒グラフ&#10;&#10;説明は自動で生成されたものです">
+            <a:extLst>
+              <a:ext uri="{FF2B5EF4-FFF2-40B4-BE49-F238E27FC236}">
+                <a16:creationId xmlns:a16="http://schemas.microsoft.com/office/drawing/2014/main" id="{0A60B29F-22B8-804F-F9F6-CABB0D64D18F}"/>
+              </a:ext>
+            </a:extLst>
+          </p:cNvPr>
+          <p:cNvPicPr>
+            <a:picLocks noChangeAspect="1"/>
+          </p:cNvPicPr>
+          <p:nvPr/>
+        </p:nvPicPr>
+        <p:blipFill>
+          <a:blip r:embed="rId2"/>
+          <a:stretch>
+            <a:fillRect/>
+          </a:stretch>
+        </p:blipFill>
+        <p:spPr>
+          <a:xfrm>
+            <a:off x="1674519" y="913246"/>
+            <a:ext cx="8645407" cy="5370173"/>
+          </a:xfrm>
+          <a:prstGeom prst="rect">
+            <a:avLst/>
+          </a:prstGeom>
+        </p:spPr>
+      </p:pic>
+    </p:spTree>
+    <p:extLst>
+      <p:ext uri="{BB962C8B-B14F-4D97-AF65-F5344CB8AC3E}">
+        <p14:creationId xmlns:p14="http://schemas.microsoft.com/office/powerpoint/2010/main" val="2897174269"/>
+      </p:ext>
+    </p:extLst>
+  </p:cSld>
+  <p:clrMapOvr>
+    <a:masterClrMapping/>
+  </p:clrMapOvr>
+</p:sld>
+</file>
+
+<file path=ppt/slides/slide8.xml><?xml version="1.0" encoding="utf-8"?>
+<p:sld xmlns:a="http://schemas.openxmlformats.org/drawingml/2006/main" xmlns:r="http://schemas.openxmlformats.org/officeDocument/2006/relationships" xmlns:p="http://schemas.openxmlformats.org/presentationml/2006/main">
+  <p:cSld>
     <p:bg>
       <p:bgPr>
         <a:solidFill>
@@ -12297,7 +13859,7 @@
                   <a:spcPts val="600"/>
                 </a:spcAft>
               </a:pPr>
-              <a:t>5</a:t>
+              <a:t>8</a:t>
             </a:fld>
             <a:endParaRPr lang="en-US" altLang="ja-JP"/>
           </a:p>
@@ -12554,7 +14116,7 @@
 </p:sld>
 </file>
 
-<file path=ppt/slides/slide6.xml><?xml version="1.0" encoding="utf-8"?>
+<file path=ppt/slides/slide9.xml><?xml version="1.0" encoding="utf-8"?>
 <p:sld xmlns:a="http://schemas.openxmlformats.org/drawingml/2006/main" xmlns:r="http://schemas.openxmlformats.org/officeDocument/2006/relationships" xmlns:p="http://schemas.openxmlformats.org/presentationml/2006/main">
   <p:cSld>
     <p:bg>
@@ -12627,8 +14189,8 @@
         </p:nvSpPr>
         <p:spPr>
           <a:xfrm>
-            <a:off x="1296138" y="184805"/>
-            <a:ext cx="10179958" cy="1534105"/>
+            <a:off x="1223567" y="130376"/>
+            <a:ext cx="4628244" cy="518106"/>
           </a:xfrm>
         </p:spPr>
         <p:txBody>
@@ -12638,13 +14200,13 @@
           <a:lstStyle/>
           <a:p>
             <a:r>
-              <a:rPr lang="ja-JP" altLang="en-US" sz="4000" kern="1200">
+              <a:rPr lang="ja-JP" altLang="en-US" sz="1600" kern="1200">
                 <a:latin typeface="MS PMincho"/>
                 <a:ea typeface="MS PMincho"/>
               </a:rPr>
               <a:t>分析結果（人口一人あたりの公園面積）</a:t>
             </a:r>
-            <a:endParaRPr kumimoji="1" lang="en-US" altLang="ja-JP" sz="4000" kern="1200">
+            <a:endParaRPr kumimoji="1" lang="en-US" altLang="ja-JP" sz="1600" kern="1200">
               <a:latin typeface="MS PMincho"/>
               <a:ea typeface="MS PMincho"/>
             </a:endParaRPr>
@@ -12686,7 +14248,7 @@
                   <a:spcPts val="600"/>
                 </a:spcAft>
               </a:pPr>
-              <a:t>6</a:t>
+              <a:t>9</a:t>
             </a:fld>
             <a:endParaRPr lang="en-US" altLang="ja-JP"/>
           </a:p>
@@ -12735,918 +14297,12 @@
           </a:p>
         </p:txBody>
       </p:sp>
-    </p:spTree>
-    <p:extLst>
-      <p:ext uri="{BB962C8B-B14F-4D97-AF65-F5344CB8AC3E}">
-        <p14:creationId xmlns:p14="http://schemas.microsoft.com/office/powerpoint/2010/main" val="899735832"/>
-      </p:ext>
-    </p:extLst>
-  </p:cSld>
-  <p:clrMapOvr>
-    <a:masterClrMapping/>
-  </p:clrMapOvr>
-</p:sld>
-</file>
-
-<file path=ppt/slides/slide7.xml><?xml version="1.0" encoding="utf-8"?>
-<p:sld xmlns:a="http://schemas.openxmlformats.org/drawingml/2006/main" xmlns:r="http://schemas.openxmlformats.org/officeDocument/2006/relationships" xmlns:p="http://schemas.openxmlformats.org/presentationml/2006/main">
-  <p:cSld>
-    <p:bg>
-      <p:bgPr>
-        <a:solidFill>
-          <a:schemeClr val="bg1"/>
-        </a:solidFill>
-        <a:effectLst/>
-      </p:bgPr>
-    </p:bg>
-    <p:spTree>
-      <p:nvGrpSpPr>
-        <p:cNvPr id="1" name=""/>
-        <p:cNvGrpSpPr/>
-        <p:nvPr/>
-      </p:nvGrpSpPr>
-      <p:grpSpPr>
-        <a:xfrm>
-          <a:off x="0" y="0"/>
-          <a:ext cx="0" cy="0"/>
-          <a:chOff x="0" y="0"/>
-          <a:chExt cx="0" cy="0"/>
-        </a:xfrm>
-      </p:grpSpPr>
-      <p:sp>
-        <p:nvSpPr>
-          <p:cNvPr id="2" name="タイトル 1">
+      <p:pic>
+        <p:nvPicPr>
+          <p:cNvPr id="3" name="図 2" descr="グラフ, ヒストグラム&#10;&#10;説明は自動で生成されたものです">
             <a:extLst>
               <a:ext uri="{FF2B5EF4-FFF2-40B4-BE49-F238E27FC236}">
-                <a16:creationId xmlns:a16="http://schemas.microsoft.com/office/drawing/2014/main" id="{915EDABC-17D5-0457-ED31-F880466EE3FD}"/>
-              </a:ext>
-            </a:extLst>
-          </p:cNvPr>
-          <p:cNvSpPr>
-            <a:spLocks noGrp="1"/>
-          </p:cNvSpPr>
-          <p:nvPr>
-            <p:ph type="title"/>
-          </p:nvPr>
-        </p:nvSpPr>
-        <p:spPr>
-          <a:xfrm>
-            <a:off x="1182513" y="746947"/>
-            <a:ext cx="9601196" cy="673571"/>
-          </a:xfrm>
-        </p:spPr>
-        <p:txBody>
-          <a:bodyPr>
-            <a:normAutofit fontScale="90000"/>
-          </a:bodyPr>
-          <a:lstStyle/>
-          <a:p>
-            <a:r>
-              <a:rPr lang="ja-JP" altLang="en-US">
-                <a:latin typeface="MS PMincho"/>
-                <a:ea typeface="MS PMincho"/>
-              </a:rPr>
-              <a:t>分析結果（公園のタイプ）</a:t>
-            </a:r>
-            <a:endParaRPr kumimoji="1" lang="ja-JP" altLang="en-US">
-              <a:latin typeface="MS PMincho"/>
-              <a:ea typeface="MS PMincho"/>
-            </a:endParaRPr>
-          </a:p>
-        </p:txBody>
-      </p:sp>
-      <p:sp>
-        <p:nvSpPr>
-          <p:cNvPr id="17" name="スライド番号プレースホルダー 16">
-            <a:extLst>
-              <a:ext uri="{FF2B5EF4-FFF2-40B4-BE49-F238E27FC236}">
-                <a16:creationId xmlns:a16="http://schemas.microsoft.com/office/drawing/2014/main" id="{46CF1C56-2C5D-A331-DE46-2D926CCE6DC5}"/>
-              </a:ext>
-            </a:extLst>
-          </p:cNvPr>
-          <p:cNvSpPr>
-            <a:spLocks noGrp="1"/>
-          </p:cNvSpPr>
-          <p:nvPr>
-            <p:ph type="sldNum" sz="quarter" idx="12"/>
-          </p:nvPr>
-        </p:nvSpPr>
-        <p:spPr/>
-        <p:txBody>
-          <a:bodyPr/>
-          <a:lstStyle/>
-          <a:p>
-            <a:fld id="{5D84065D-F351-4B03-BD91-D8A6B8D4B362}" type="slidenum">
-              <a:rPr lang="en-US" dirty="0"/>
-              <a:t>7</a:t>
-            </a:fld>
-            <a:endParaRPr lang="ja-JP" altLang="en-US"/>
-          </a:p>
-        </p:txBody>
-      </p:sp>
-      <p:sp>
-        <p:nvSpPr>
-          <p:cNvPr id="5" name="テキスト ボックス 4">
-            <a:extLst>
-              <a:ext uri="{FF2B5EF4-FFF2-40B4-BE49-F238E27FC236}">
-                <a16:creationId xmlns:a16="http://schemas.microsoft.com/office/drawing/2014/main" id="{6FFA0DF7-9C10-8D97-9A58-7DEEEED38E7E}"/>
-              </a:ext>
-            </a:extLst>
-          </p:cNvPr>
-          <p:cNvSpPr txBox="1"/>
-          <p:nvPr/>
-        </p:nvSpPr>
-        <p:spPr>
-          <a:xfrm>
-            <a:off x="853050" y="1636886"/>
-            <a:ext cx="4440968" cy="3139321"/>
-          </a:xfrm>
-          <a:prstGeom prst="rect">
-            <a:avLst/>
-          </a:prstGeom>
-          <a:solidFill>
-            <a:schemeClr val="bg1">
-              <a:lumMod val="95000"/>
-            </a:schemeClr>
-          </a:solidFill>
-        </p:spPr>
-        <p:txBody>
-          <a:bodyPr rot="0" spcFirstLastPara="0" vertOverflow="overflow" horzOverflow="overflow" vert="horz" wrap="square" lIns="91440" tIns="45720" rIns="91440" bIns="45720" numCol="1" spcCol="0" rtlCol="0" fromWordArt="0" anchor="t" anchorCtr="0" forceAA="0" compatLnSpc="1">
-            <a:prstTxWarp prst="textNoShape">
-              <a:avLst/>
-            </a:prstTxWarp>
-            <a:spAutoFit/>
-          </a:bodyPr>
-          <a:lstStyle/>
-          <a:p>
-            <a:r>
-              <a:rPr lang="ja-JP" sz="1200">
-                <a:latin typeface="MS PMincho"/>
-                <a:ea typeface="MS PMincho"/>
-                <a:cs typeface="+mn-lt"/>
-              </a:rPr>
-              <a:t>街区公園:6589ヶ所</a:t>
-            </a:r>
-          </a:p>
-          <a:p>
-            <a:r>
-              <a:rPr lang="ja-JP" sz="1200">
-                <a:latin typeface="MS PMincho"/>
-                <a:ea typeface="MS PMincho"/>
-                <a:cs typeface="+mn-lt"/>
-              </a:rPr>
-              <a:t>近隣公園</a:t>
-            </a:r>
-            <a:r>
-              <a:rPr lang="en-US" altLang="ja-JP" sz="1200">
-                <a:latin typeface="MS PMincho"/>
-                <a:ea typeface="+mn-lt"/>
-                <a:cs typeface="+mn-lt"/>
-              </a:rPr>
-              <a:t>:</a:t>
-            </a:r>
-            <a:r>
-              <a:rPr lang="ja-JP" sz="1200">
-                <a:latin typeface="MS PMincho"/>
-                <a:ea typeface="MS PMincho"/>
-                <a:cs typeface="+mn-lt"/>
-              </a:rPr>
-              <a:t>354ヶ所
-その他</a:t>
-            </a:r>
-            <a:r>
-              <a:rPr lang="en-US" altLang="ja-JP" sz="1200">
-                <a:latin typeface="MS PMincho"/>
-                <a:ea typeface="+mn-lt"/>
-                <a:cs typeface="+mn-lt"/>
-              </a:rPr>
-              <a:t>:</a:t>
-            </a:r>
-            <a:r>
-              <a:rPr lang="ja-JP" sz="1200">
-                <a:latin typeface="MS PMincho"/>
-                <a:ea typeface="MS PMincho"/>
-                <a:cs typeface="+mn-lt"/>
-              </a:rPr>
-              <a:t>300ヶ所
-都市緑地</a:t>
-            </a:r>
-            <a:r>
-              <a:rPr lang="en-US" altLang="ja-JP" sz="1200">
-                <a:latin typeface="MS PMincho"/>
-                <a:ea typeface="+mn-lt"/>
-                <a:cs typeface="+mn-lt"/>
-              </a:rPr>
-              <a:t>:</a:t>
-            </a:r>
-            <a:r>
-              <a:rPr lang="ja-JP" sz="1200">
-                <a:latin typeface="MS PMincho"/>
-                <a:ea typeface="MS PMincho"/>
-                <a:cs typeface="+mn-lt"/>
-              </a:rPr>
-              <a:t>291</a:t>
-            </a:r>
-            <a:r>
-              <a:rPr lang="ja-JP" altLang="en-US" sz="1200">
-                <a:latin typeface="MS PMincho"/>
-                <a:ea typeface="MS PMincho"/>
-                <a:cs typeface="+mn-lt"/>
-              </a:rPr>
-              <a:t>ヶ所</a:t>
-            </a:r>
-            <a:r>
-              <a:rPr lang="ja-JP" sz="1200">
-                <a:latin typeface="MS PMincho"/>
-                <a:ea typeface="MS PMincho"/>
-                <a:cs typeface="+mn-lt"/>
-              </a:rPr>
-              <a:t>
-都市林:137</a:t>
-            </a:r>
-            <a:r>
-              <a:rPr lang="ja-JP" altLang="en-US" sz="1200">
-                <a:latin typeface="MS PMincho"/>
-                <a:ea typeface="MS PMincho"/>
-                <a:cs typeface="+mn-lt"/>
-              </a:rPr>
-              <a:t>ヶ所</a:t>
-            </a:r>
-            <a:r>
-              <a:rPr lang="ja-JP" sz="1200">
-                <a:latin typeface="MS PMincho"/>
-                <a:ea typeface="MS PMincho"/>
-                <a:cs typeface="+mn-lt"/>
-              </a:rPr>
-              <a:t>
-特殊公園（風致公園、動植物公園、歴史公園、墓園</a:t>
-            </a:r>
-            <a:r>
-              <a:rPr lang="ja-JP" altLang="en-US" sz="1200">
-                <a:latin typeface="MS PMincho"/>
-                <a:ea typeface="MS PMincho"/>
-                <a:cs typeface="+mn-lt"/>
-              </a:rPr>
-              <a:t>）</a:t>
-            </a:r>
-            <a:r>
-              <a:rPr lang="en-US" altLang="en-US" sz="1200">
-                <a:latin typeface="MS PMincho"/>
-                <a:ea typeface="+mn-lt"/>
-                <a:cs typeface="+mn-lt"/>
-              </a:rPr>
-              <a:t>:</a:t>
-            </a:r>
-            <a:r>
-              <a:rPr lang="ja-JP" sz="1200">
-                <a:latin typeface="MS PMincho"/>
-                <a:ea typeface="MS PMincho"/>
-                <a:cs typeface="+mn-lt"/>
-              </a:rPr>
-              <a:t>76ヶ</a:t>
-            </a:r>
-            <a:r>
-              <a:rPr lang="ja-JP" altLang="en-US" sz="1200">
-                <a:latin typeface="MS PMincho"/>
-                <a:ea typeface="MS PMincho"/>
-                <a:cs typeface="+mn-lt"/>
-              </a:rPr>
-              <a:t>所</a:t>
-            </a:r>
-            <a:r>
-              <a:rPr lang="ja-JP" sz="1200">
-                <a:latin typeface="MS PMincho"/>
-                <a:ea typeface="MS PMincho"/>
-                <a:cs typeface="+mn-lt"/>
-              </a:rPr>
-              <a:t>
-地区公園（カントリーパーク</a:t>
-            </a:r>
-            <a:r>
-              <a:rPr lang="ja-JP" altLang="en-US" sz="1200">
-                <a:latin typeface="MS PMincho"/>
-                <a:ea typeface="MS PMincho"/>
-                <a:cs typeface="+mn-lt"/>
-              </a:rPr>
-              <a:t>）</a:t>
-            </a:r>
-            <a:r>
-              <a:rPr lang="en-US" altLang="en-US" sz="1200">
-                <a:latin typeface="MS PMincho"/>
-                <a:ea typeface="+mn-lt"/>
-                <a:cs typeface="+mn-lt"/>
-              </a:rPr>
-              <a:t>:</a:t>
-            </a:r>
-            <a:r>
-              <a:rPr lang="ja-JP" sz="1200">
-                <a:latin typeface="MS PMincho"/>
-                <a:ea typeface="MS PMincho"/>
-                <a:cs typeface="+mn-lt"/>
-              </a:rPr>
-              <a:t>74ヶ</a:t>
-            </a:r>
-            <a:r>
-              <a:rPr lang="ja-JP" altLang="en-US" sz="1200">
-                <a:latin typeface="MS PMincho"/>
-                <a:ea typeface="MS PMincho"/>
-                <a:cs typeface="+mn-lt"/>
-              </a:rPr>
-              <a:t>所</a:t>
-            </a:r>
-            <a:r>
-              <a:rPr lang="ja-JP" sz="1200">
-                <a:latin typeface="MS PMincho"/>
-                <a:ea typeface="MS PMincho"/>
-                <a:cs typeface="+mn-lt"/>
-              </a:rPr>
-              <a:t>
-緑道</a:t>
-            </a:r>
-            <a:r>
-              <a:rPr lang="en-US" altLang="ja-JP" sz="1200">
-                <a:latin typeface="MS PMincho"/>
-                <a:ea typeface="+mn-lt"/>
-                <a:cs typeface="+mn-lt"/>
-              </a:rPr>
-              <a:t>:7</a:t>
-            </a:r>
-            <a:r>
-              <a:rPr lang="ja-JP" sz="1200">
-                <a:latin typeface="MS PMincho"/>
-                <a:ea typeface="MS PMincho"/>
-                <a:cs typeface="+mn-lt"/>
-              </a:rPr>
-              <a:t>4</a:t>
-            </a:r>
-            <a:r>
-              <a:rPr lang="ja-JP" altLang="en-US" sz="1200">
-                <a:latin typeface="MS PMincho"/>
-                <a:ea typeface="MS PMincho"/>
-                <a:cs typeface="+mn-lt"/>
-              </a:rPr>
-              <a:t>箇所</a:t>
-            </a:r>
-            <a:r>
-              <a:rPr lang="ja-JP" sz="1200">
-                <a:latin typeface="MS PMincho"/>
-                <a:ea typeface="MS PMincho"/>
-                <a:cs typeface="+mn-lt"/>
-              </a:rPr>
-              <a:t>
-運動公園</a:t>
-            </a:r>
-            <a:r>
-              <a:rPr lang="en-US" altLang="en-US" sz="1200">
-                <a:latin typeface="MS PMincho"/>
-                <a:ea typeface="+mn-lt"/>
-                <a:cs typeface="+mn-lt"/>
-              </a:rPr>
-              <a:t>:</a:t>
-            </a:r>
-            <a:r>
-              <a:rPr lang="ja-JP" sz="1200">
-                <a:latin typeface="MS PMincho"/>
-                <a:ea typeface="MS PMincho"/>
-                <a:cs typeface="+mn-lt"/>
-              </a:rPr>
-              <a:t>57ヶ</a:t>
-            </a:r>
-            <a:r>
-              <a:rPr lang="ja-JP" altLang="en-US" sz="1200">
-                <a:latin typeface="MS PMincho"/>
-                <a:ea typeface="MS PMincho"/>
-                <a:cs typeface="+mn-lt"/>
-              </a:rPr>
-              <a:t>所</a:t>
-            </a:r>
-            <a:r>
-              <a:rPr lang="ja-JP" sz="1200">
-                <a:latin typeface="MS PMincho"/>
-                <a:ea typeface="MS PMincho"/>
-                <a:cs typeface="+mn-lt"/>
-              </a:rPr>
-              <a:t>
-総合公園</a:t>
-            </a:r>
-            <a:r>
-              <a:rPr lang="en-US" altLang="ja-JP" sz="1200">
-                <a:latin typeface="MS PMincho"/>
-                <a:ea typeface="+mn-lt"/>
-                <a:cs typeface="+mn-lt"/>
-              </a:rPr>
-              <a:t>:</a:t>
-            </a:r>
-            <a:r>
-              <a:rPr lang="ja-JP" sz="1200">
-                <a:latin typeface="MS PMincho"/>
-                <a:ea typeface="MS PMincho"/>
-                <a:cs typeface="+mn-lt"/>
-              </a:rPr>
-              <a:t>46ヶ</a:t>
-            </a:r>
-            <a:r>
-              <a:rPr lang="ja-JP" altLang="en-US" sz="1200">
-                <a:latin typeface="MS PMincho"/>
-                <a:ea typeface="MS PMincho"/>
-                <a:cs typeface="+mn-lt"/>
-              </a:rPr>
-              <a:t>所</a:t>
-            </a:r>
-            <a:r>
-              <a:rPr lang="ja-JP" sz="1200">
-                <a:latin typeface="MS PMincho"/>
-                <a:ea typeface="MS PMincho"/>
-                <a:cs typeface="+mn-lt"/>
-              </a:rPr>
-              <a:t>
-広域公園15</a:t>
-            </a:r>
-            <a:r>
-              <a:rPr lang="ja-JP" altLang="en-US" sz="1200">
-                <a:latin typeface="MS PMincho"/>
-                <a:ea typeface="MS PMincho"/>
-                <a:cs typeface="+mn-lt"/>
-              </a:rPr>
-              <a:t>ヶ所</a:t>
-            </a:r>
-            <a:r>
-              <a:rPr lang="ja-JP" sz="1200">
-                <a:latin typeface="MS PMincho"/>
-                <a:ea typeface="MS PMincho"/>
-                <a:cs typeface="+mn-lt"/>
-              </a:rPr>
-              <a:t>
-広場公園11</a:t>
-            </a:r>
-            <a:r>
-              <a:rPr lang="ja-JP" altLang="en-US" sz="1200">
-                <a:latin typeface="MS PMincho"/>
-                <a:ea typeface="MS PMincho"/>
-                <a:cs typeface="+mn-lt"/>
-              </a:rPr>
-              <a:t>ヶ所</a:t>
-            </a:r>
-            <a:r>
-              <a:rPr lang="ja-JP" sz="1200">
-                <a:latin typeface="MS PMincho"/>
-                <a:ea typeface="MS PMincho"/>
-                <a:cs typeface="+mn-lt"/>
-              </a:rPr>
-              <a:t>
-緩衝緑地2</a:t>
-            </a:r>
-            <a:r>
-              <a:rPr lang="ja-JP" altLang="en-US" sz="1200">
-                <a:latin typeface="MS PMincho"/>
-                <a:ea typeface="MS PMincho"/>
-                <a:cs typeface="+mn-lt"/>
-              </a:rPr>
-              <a:t>ヶ所</a:t>
-            </a:r>
-            <a:r>
-              <a:rPr lang="ja-JP" sz="1200">
-                <a:latin typeface="MS PMincho"/>
-                <a:ea typeface="MS PMincho"/>
-                <a:cs typeface="+mn-lt"/>
-              </a:rPr>
-              <a:t>
-地区公園2</a:t>
-            </a:r>
-            <a:r>
-              <a:rPr lang="ja-JP" altLang="en-US" sz="1200">
-                <a:latin typeface="MS PMincho"/>
-                <a:ea typeface="MS PMincho"/>
-                <a:cs typeface="+mn-lt"/>
-              </a:rPr>
-              <a:t>ヶ所</a:t>
-            </a:r>
-          </a:p>
-          <a:p>
-            <a:r>
-              <a:rPr lang="ja-JP" sz="1200">
-                <a:latin typeface="MS PMincho"/>
-                <a:ea typeface="MS PMincho"/>
-                <a:cs typeface="+mn-lt"/>
-              </a:rPr>
-              <a:t>風致公園</a:t>
-            </a:r>
-            <a:r>
-              <a:rPr lang="ja-JP" altLang="en-US" sz="1200">
-                <a:latin typeface="MS PMincho"/>
-                <a:ea typeface="MS PMincho"/>
-                <a:cs typeface="+mn-lt"/>
-              </a:rPr>
-              <a:t>2</a:t>
-            </a:r>
-            <a:r>
-              <a:rPr lang="ja-JP" sz="1200">
-                <a:latin typeface="MS PMincho"/>
-                <a:ea typeface="MS PMincho"/>
-                <a:cs typeface="+mn-lt"/>
-              </a:rPr>
-              <a:t>ヶ所</a:t>
-            </a:r>
-            <a:endParaRPr lang="ja-JP" altLang="en-US" sz="1200">
-              <a:latin typeface="MS PMincho"/>
-              <a:ea typeface="MS PMincho"/>
-            </a:endParaRPr>
-          </a:p>
-          <a:p>
-            <a:endParaRPr lang="ja-JP" altLang="en-US">
-              <a:ea typeface="ＭＳ Ｐ明朝"/>
-            </a:endParaRPr>
-          </a:p>
-        </p:txBody>
-      </p:sp>
-      <p:sp>
-        <p:nvSpPr>
-          <p:cNvPr id="15" name="テキスト ボックス 14">
-            <a:extLst>
-              <a:ext uri="{FF2B5EF4-FFF2-40B4-BE49-F238E27FC236}">
-                <a16:creationId xmlns:a16="http://schemas.microsoft.com/office/drawing/2014/main" id="{4BD870E5-F15F-9C4C-BC44-DD4BE27C897C}"/>
-              </a:ext>
-            </a:extLst>
-          </p:cNvPr>
-          <p:cNvSpPr txBox="1"/>
-          <p:nvPr/>
-        </p:nvSpPr>
-        <p:spPr>
-          <a:xfrm>
-            <a:off x="6406445" y="5484518"/>
-            <a:ext cx="1364072" cy="369332"/>
-          </a:xfrm>
-          <a:prstGeom prst="rect">
-            <a:avLst/>
-          </a:prstGeom>
-          <a:noFill/>
-        </p:spPr>
-        <p:txBody>
-          <a:bodyPr rot="0" spcFirstLastPara="0" vertOverflow="overflow" horzOverflow="overflow" vert="horz" wrap="square" lIns="91440" tIns="45720" rIns="91440" bIns="45720" numCol="1" spcCol="0" rtlCol="0" fromWordArt="0" anchor="t" anchorCtr="0" forceAA="0" compatLnSpc="1">
-            <a:prstTxWarp prst="textNoShape">
-              <a:avLst/>
-            </a:prstTxWarp>
-            <a:spAutoFit/>
-          </a:bodyPr>
-          <a:lstStyle/>
-          <a:p>
-            <a:pPr algn="l"/>
-            <a:r>
-              <a:rPr lang="ja-JP" altLang="en-US">
-                <a:ea typeface="ＭＳ Ｐ明朝"/>
-              </a:rPr>
-              <a:t>（図４）</a:t>
-            </a:r>
-          </a:p>
-        </p:txBody>
-      </p:sp>
-      <p:sp>
-        <p:nvSpPr>
-          <p:cNvPr id="18" name="テキスト ボックス 17">
-            <a:extLst>
-              <a:ext uri="{FF2B5EF4-FFF2-40B4-BE49-F238E27FC236}">
-                <a16:creationId xmlns:a16="http://schemas.microsoft.com/office/drawing/2014/main" id="{E9FB1541-01BD-1CF1-7CD7-14E78FAD05F6}"/>
-              </a:ext>
-            </a:extLst>
-          </p:cNvPr>
-          <p:cNvSpPr txBox="1"/>
-          <p:nvPr/>
-        </p:nvSpPr>
-        <p:spPr>
-          <a:xfrm>
-            <a:off x="620891" y="4967111"/>
-            <a:ext cx="4910664" cy="738664"/>
-          </a:xfrm>
-          <a:prstGeom prst="rect">
-            <a:avLst/>
-          </a:prstGeom>
-          <a:noFill/>
-        </p:spPr>
-        <p:txBody>
-          <a:bodyPr rot="0" spcFirstLastPara="0" vertOverflow="overflow" horzOverflow="overflow" vert="horz" wrap="square" lIns="91440" tIns="45720" rIns="91440" bIns="45720" numCol="1" spcCol="0" rtlCol="0" fromWordArt="0" anchor="t" anchorCtr="0" forceAA="0" compatLnSpc="1">
-            <a:prstTxWarp prst="textNoShape">
-              <a:avLst/>
-            </a:prstTxWarp>
-            <a:spAutoFit/>
-          </a:bodyPr>
-          <a:lstStyle/>
-          <a:p>
-            <a:r>
-              <a:rPr lang="ja-JP" altLang="en-US" sz="1400">
-                <a:latin typeface="MS PMincho"/>
-                <a:ea typeface="MS PMincho"/>
-                <a:cs typeface="Calibri"/>
-              </a:rPr>
-              <a:t>※図4〜７のカントリーは</a:t>
-            </a:r>
-            <a:r>
-              <a:rPr lang="ja-JP" sz="1400">
-                <a:latin typeface="MS PMincho"/>
-                <a:ea typeface="MS PMincho"/>
-                <a:cs typeface="Calibri"/>
-              </a:rPr>
-              <a:t>地区公園（カントリーパーク）</a:t>
-            </a:r>
-            <a:r>
-              <a:rPr lang="ja-JP" altLang="en-US" sz="1400">
-                <a:latin typeface="MS PMincho"/>
-                <a:ea typeface="MS PMincho"/>
-                <a:cs typeface="Calibri"/>
-              </a:rPr>
-              <a:t>のこと</a:t>
-            </a:r>
-          </a:p>
-          <a:p>
-            <a:r>
-              <a:rPr lang="ja-JP" altLang="en-US" sz="1400">
-                <a:latin typeface="MS PMincho"/>
-                <a:ea typeface="MS PMincho"/>
-                <a:cs typeface="Calibri"/>
-              </a:rPr>
-              <a:t>※最後のページに公園種別についての説明の付録がありますので、適宜ご確認ください。</a:t>
-            </a:r>
-          </a:p>
-        </p:txBody>
-      </p:sp>
-      <p:sp>
-        <p:nvSpPr>
-          <p:cNvPr id="19" name="テキスト ボックス 18">
-            <a:extLst>
-              <a:ext uri="{FF2B5EF4-FFF2-40B4-BE49-F238E27FC236}">
-                <a16:creationId xmlns:a16="http://schemas.microsoft.com/office/drawing/2014/main" id="{A56B039B-017A-7311-82AE-D70ED65B4ABB}"/>
-              </a:ext>
-            </a:extLst>
-          </p:cNvPr>
-          <p:cNvSpPr txBox="1"/>
-          <p:nvPr/>
-        </p:nvSpPr>
-        <p:spPr>
-          <a:xfrm>
-            <a:off x="856074" y="4534370"/>
-            <a:ext cx="2743200" cy="246221"/>
-          </a:xfrm>
-          <a:prstGeom prst="rect">
-            <a:avLst/>
-          </a:prstGeom>
-          <a:noFill/>
-        </p:spPr>
-        <p:txBody>
-          <a:bodyPr rot="0" spcFirstLastPara="0" vertOverflow="overflow" horzOverflow="overflow" vert="horz" wrap="square" lIns="91440" tIns="45720" rIns="91440" bIns="45720" numCol="1" spcCol="0" rtlCol="0" fromWordArt="0" anchor="t" anchorCtr="0" forceAA="0" compatLnSpc="1">
-            <a:prstTxWarp prst="textNoShape">
-              <a:avLst/>
-            </a:prstTxWarp>
-            <a:spAutoFit/>
-          </a:bodyPr>
-          <a:lstStyle/>
-          <a:p>
-            <a:pPr algn="l"/>
-            <a:r>
-              <a:rPr lang="ja-JP" altLang="en-US" sz="1000">
-                <a:ea typeface="游ゴシック"/>
-                <a:cs typeface="Calibri"/>
-              </a:rPr>
-              <a:t>表１</a:t>
-            </a:r>
-            <a:endParaRPr lang="ja-JP" altLang="en-US" sz="1000"/>
-          </a:p>
-        </p:txBody>
-      </p:sp>
-      <p:pic>
-        <p:nvPicPr>
-          <p:cNvPr id="26" name="図 25" descr="グラフ, 棒グラフ&#10;&#10;説明は自動で生成されたものです">
-            <a:extLst>
-              <a:ext uri="{FF2B5EF4-FFF2-40B4-BE49-F238E27FC236}">
-                <a16:creationId xmlns:a16="http://schemas.microsoft.com/office/drawing/2014/main" id="{E79D8DB5-925E-C8F6-8C31-C11F74E260EC}"/>
-              </a:ext>
-            </a:extLst>
-          </p:cNvPr>
-          <p:cNvPicPr>
-            <a:picLocks noChangeAspect="1"/>
-          </p:cNvPicPr>
-          <p:nvPr/>
-        </p:nvPicPr>
-        <p:blipFill>
-          <a:blip r:embed="rId2"/>
-          <a:stretch>
-            <a:fillRect/>
-          </a:stretch>
-        </p:blipFill>
-        <p:spPr>
-          <a:xfrm>
-            <a:off x="5633013" y="1349267"/>
-            <a:ext cx="6096000" cy="3985846"/>
-          </a:xfrm>
-          <a:prstGeom prst="rect">
-            <a:avLst/>
-          </a:prstGeom>
-        </p:spPr>
-      </p:pic>
-    </p:spTree>
-    <p:extLst>
-      <p:ext uri="{BB962C8B-B14F-4D97-AF65-F5344CB8AC3E}">
-        <p14:creationId xmlns:p14="http://schemas.microsoft.com/office/powerpoint/2010/main" val="455351923"/>
-      </p:ext>
-    </p:extLst>
-  </p:cSld>
-  <p:clrMapOvr>
-    <a:masterClrMapping/>
-  </p:clrMapOvr>
-</p:sld>
-</file>
-
-<file path=ppt/slides/slide8.xml><?xml version="1.0" encoding="utf-8"?>
-<p:sld xmlns:a="http://schemas.openxmlformats.org/drawingml/2006/main" xmlns:r="http://schemas.openxmlformats.org/officeDocument/2006/relationships" xmlns:p="http://schemas.openxmlformats.org/presentationml/2006/main">
-  <p:cSld>
-    <p:bg>
-      <p:bgPr>
-        <a:solidFill>
-          <a:schemeClr val="bg1"/>
-        </a:solidFill>
-        <a:effectLst/>
-      </p:bgPr>
-    </p:bg>
-    <p:spTree>
-      <p:nvGrpSpPr>
-        <p:cNvPr id="1" name=""/>
-        <p:cNvGrpSpPr/>
-        <p:nvPr/>
-      </p:nvGrpSpPr>
-      <p:grpSpPr>
-        <a:xfrm>
-          <a:off x="0" y="0"/>
-          <a:ext cx="0" cy="0"/>
-          <a:chOff x="0" y="0"/>
-          <a:chExt cx="0" cy="0"/>
-        </a:xfrm>
-      </p:grpSpPr>
-      <p:sp>
-        <p:nvSpPr>
-          <p:cNvPr id="4" name="スライド番号プレースホルダー 3">
-            <a:extLst>
-              <a:ext uri="{FF2B5EF4-FFF2-40B4-BE49-F238E27FC236}">
-                <a16:creationId xmlns:a16="http://schemas.microsoft.com/office/drawing/2014/main" id="{3E494E97-FD4D-0980-2F14-AF9ACC785581}"/>
-              </a:ext>
-            </a:extLst>
-          </p:cNvPr>
-          <p:cNvSpPr>
-            <a:spLocks noGrp="1"/>
-          </p:cNvSpPr>
-          <p:nvPr>
-            <p:ph type="sldNum" sz="quarter" idx="12"/>
-          </p:nvPr>
-        </p:nvSpPr>
-        <p:spPr/>
-        <p:txBody>
-          <a:bodyPr/>
-          <a:lstStyle/>
-          <a:p>
-            <a:fld id="{5D84065D-F351-4B03-BD91-D8A6B8D4B362}" type="slidenum">
-              <a:rPr lang="en-US" dirty="0"/>
-              <a:t>8</a:t>
-            </a:fld>
-            <a:endParaRPr lang="ja-JP" altLang="en-US"/>
-          </a:p>
-        </p:txBody>
-      </p:sp>
-      <p:sp>
-        <p:nvSpPr>
-          <p:cNvPr id="9" name="タイトル 1">
-            <a:extLst>
-              <a:ext uri="{FF2B5EF4-FFF2-40B4-BE49-F238E27FC236}">
-                <a16:creationId xmlns:a16="http://schemas.microsoft.com/office/drawing/2014/main" id="{4D54F335-21A6-5D3E-9AC9-36C220E25037}"/>
-              </a:ext>
-            </a:extLst>
-          </p:cNvPr>
-          <p:cNvSpPr txBox="1">
-            <a:spLocks/>
-          </p:cNvSpPr>
-          <p:nvPr/>
-        </p:nvSpPr>
-        <p:spPr>
-          <a:xfrm>
-            <a:off x="1182513" y="746947"/>
-            <a:ext cx="9601196" cy="673571"/>
-          </a:xfrm>
-          <a:prstGeom prst="rect">
-            <a:avLst/>
-          </a:prstGeom>
-        </p:spPr>
-        <p:txBody>
-          <a:bodyPr vert="horz" lIns="91440" tIns="45720" rIns="91440" bIns="45720" rtlCol="0" anchor="ctr">
-            <a:normAutofit fontScale="97500" lnSpcReduction="10000"/>
-          </a:bodyPr>
-          <a:lstStyle>
-            <a:lvl1pPr algn="l" defTabSz="914400" rtl="0" eaLnBrk="1" latinLnBrk="0" hangingPunct="1">
-              <a:lnSpc>
-                <a:spcPct val="90000"/>
-              </a:lnSpc>
-              <a:spcBef>
-                <a:spcPct val="0"/>
-              </a:spcBef>
-              <a:buNone/>
-              <a:defRPr sz="4400" kern="1200">
-                <a:solidFill>
-                  <a:schemeClr val="tx1"/>
-                </a:solidFill>
-                <a:latin typeface="+mj-lt"/>
-                <a:ea typeface="+mj-ea"/>
-                <a:cs typeface="+mj-cs"/>
-              </a:defRPr>
-            </a:lvl1pPr>
-          </a:lstStyle>
-          <a:p>
-            <a:r>
-              <a:rPr kumimoji="0" lang="ja-JP" altLang="en-US">
-                <a:latin typeface="MS PMincho"/>
-                <a:ea typeface="MS PMincho"/>
-              </a:rPr>
-              <a:t>分析結果（公園のタイプ）</a:t>
-            </a:r>
-            <a:endParaRPr kumimoji="1" lang="ja-JP" altLang="en-US">
-              <a:latin typeface="MS PMincho"/>
-              <a:ea typeface="MS PMincho"/>
-            </a:endParaRPr>
-          </a:p>
-        </p:txBody>
-      </p:sp>
-      <p:pic>
-        <p:nvPicPr>
-          <p:cNvPr id="21" name="図 20" descr="グラフ&#10;&#10;説明は自動で生成されたものです">
-            <a:extLst>
-              <a:ext uri="{FF2B5EF4-FFF2-40B4-BE49-F238E27FC236}">
-                <a16:creationId xmlns:a16="http://schemas.microsoft.com/office/drawing/2014/main" id="{F0F08F54-E0C2-9C13-3426-F599D5557074}"/>
-              </a:ext>
-            </a:extLst>
-          </p:cNvPr>
-          <p:cNvPicPr>
-            <a:picLocks noChangeAspect="1"/>
-          </p:cNvPicPr>
-          <p:nvPr/>
-        </p:nvPicPr>
-        <p:blipFill>
-          <a:blip r:embed="rId2"/>
-          <a:stretch>
-            <a:fillRect/>
-          </a:stretch>
-        </p:blipFill>
-        <p:spPr>
-          <a:xfrm>
-            <a:off x="223906" y="1535575"/>
-            <a:ext cx="5513150" cy="4114800"/>
-          </a:xfrm>
-          <a:prstGeom prst="rect">
-            <a:avLst/>
-          </a:prstGeom>
-        </p:spPr>
-      </p:pic>
-      <p:sp>
-        <p:nvSpPr>
-          <p:cNvPr id="23" name="テキスト ボックス 22">
-            <a:extLst>
-              <a:ext uri="{FF2B5EF4-FFF2-40B4-BE49-F238E27FC236}">
-                <a16:creationId xmlns:a16="http://schemas.microsoft.com/office/drawing/2014/main" id="{249BC2D7-62E9-C359-6312-1958F70B910D}"/>
-              </a:ext>
-            </a:extLst>
-          </p:cNvPr>
-          <p:cNvSpPr txBox="1"/>
-          <p:nvPr/>
-        </p:nvSpPr>
-        <p:spPr>
-          <a:xfrm>
-            <a:off x="549797" y="5652303"/>
-            <a:ext cx="8642430" cy="369332"/>
-          </a:xfrm>
-          <a:prstGeom prst="rect">
-            <a:avLst/>
-          </a:prstGeom>
-          <a:noFill/>
-        </p:spPr>
-        <p:txBody>
-          <a:bodyPr rot="0" spcFirstLastPara="0" vertOverflow="overflow" horzOverflow="overflow" vert="horz" wrap="square" lIns="91440" tIns="45720" rIns="91440" bIns="45720" numCol="1" spcCol="0" rtlCol="0" fromWordArt="0" anchor="t" anchorCtr="0" forceAA="0" compatLnSpc="1">
-            <a:prstTxWarp prst="textNoShape">
-              <a:avLst/>
-            </a:prstTxWarp>
-            <a:spAutoFit/>
-          </a:bodyPr>
-          <a:lstStyle/>
-          <a:p>
-            <a:r>
-              <a:rPr lang="ja-JP" altLang="en-US">
-                <a:ea typeface="游ゴシック"/>
-                <a:cs typeface="Calibri"/>
-              </a:rPr>
-              <a:t>（図５）　　　　　　　　　　　　　　　　　　　　　　（図６）</a:t>
-            </a:r>
-            <a:endParaRPr lang="ja-JP" altLang="en-US"/>
-          </a:p>
-        </p:txBody>
-      </p:sp>
-      <p:pic>
-        <p:nvPicPr>
-          <p:cNvPr id="26" name="図 25" descr="グラフ, ウォーターフォール図&#10;&#10;説明は自動で生成されたものです">
-            <a:extLst>
-              <a:ext uri="{FF2B5EF4-FFF2-40B4-BE49-F238E27FC236}">
-                <a16:creationId xmlns:a16="http://schemas.microsoft.com/office/drawing/2014/main" id="{BA036711-684C-1258-3A59-37FCB0DDE308}"/>
+                <a16:creationId xmlns:a16="http://schemas.microsoft.com/office/drawing/2014/main" id="{FAEEE8FA-C4F0-72A2-4B67-195B628B0D87}"/>
               </a:ext>
             </a:extLst>
           </p:cNvPr>
@@ -13663,8 +14319,8 @@
         </p:blipFill>
         <p:spPr>
           <a:xfrm>
-            <a:off x="5741172" y="1535575"/>
-            <a:ext cx="6072593" cy="4114800"/>
+            <a:off x="745887" y="564244"/>
+            <a:ext cx="10419010" cy="6047013"/>
           </a:xfrm>
           <a:prstGeom prst="rect">
             <a:avLst/>
@@ -13674,213 +14330,7 @@
     </p:spTree>
     <p:extLst>
       <p:ext uri="{BB962C8B-B14F-4D97-AF65-F5344CB8AC3E}">
-        <p14:creationId xmlns:p14="http://schemas.microsoft.com/office/powerpoint/2010/main" val="2951956763"/>
-      </p:ext>
-    </p:extLst>
-  </p:cSld>
-  <p:clrMapOvr>
-    <a:masterClrMapping/>
-  </p:clrMapOvr>
-</p:sld>
-</file>
-
-<file path=ppt/slides/slide9.xml><?xml version="1.0" encoding="utf-8"?>
-<p:sld xmlns:a="http://schemas.openxmlformats.org/drawingml/2006/main" xmlns:r="http://schemas.openxmlformats.org/officeDocument/2006/relationships" xmlns:p="http://schemas.openxmlformats.org/presentationml/2006/main">
-  <p:cSld>
-    <p:spTree>
-      <p:nvGrpSpPr>
-        <p:cNvPr id="1" name=""/>
-        <p:cNvGrpSpPr/>
-        <p:nvPr/>
-      </p:nvGrpSpPr>
-      <p:grpSpPr>
-        <a:xfrm>
-          <a:off x="0" y="0"/>
-          <a:ext cx="0" cy="0"/>
-          <a:chOff x="0" y="0"/>
-          <a:chExt cx="0" cy="0"/>
-        </a:xfrm>
-      </p:grpSpPr>
-      <p:sp>
-        <p:nvSpPr>
-          <p:cNvPr id="2" name="タイトル 1">
-            <a:extLst>
-              <a:ext uri="{FF2B5EF4-FFF2-40B4-BE49-F238E27FC236}">
-                <a16:creationId xmlns:a16="http://schemas.microsoft.com/office/drawing/2014/main" id="{563644D4-24DF-11C4-C81F-E0922FE79EF5}"/>
-              </a:ext>
-            </a:extLst>
-          </p:cNvPr>
-          <p:cNvSpPr>
-            <a:spLocks noGrp="1"/>
-          </p:cNvSpPr>
-          <p:nvPr>
-            <p:ph type="title"/>
-          </p:nvPr>
-        </p:nvSpPr>
-        <p:spPr/>
-        <p:txBody>
-          <a:bodyPr/>
-          <a:lstStyle/>
-          <a:p>
-            <a:r>
-              <a:rPr lang="ja-JP" sz="4000" baseline="0">
-                <a:ea typeface="MS PMincho"/>
-              </a:rPr>
-              <a:t>分析結果（公園のタイプ）</a:t>
-            </a:r>
-            <a:endParaRPr kumimoji="1" lang="ja-JP" altLang="en-US"/>
-          </a:p>
-        </p:txBody>
-      </p:sp>
-      <p:sp>
-        <p:nvSpPr>
-          <p:cNvPr id="4" name="スライド番号プレースホルダー 3">
-            <a:extLst>
-              <a:ext uri="{FF2B5EF4-FFF2-40B4-BE49-F238E27FC236}">
-                <a16:creationId xmlns:a16="http://schemas.microsoft.com/office/drawing/2014/main" id="{8421AC07-697D-B907-75D5-FB893F1B1454}"/>
-              </a:ext>
-            </a:extLst>
-          </p:cNvPr>
-          <p:cNvSpPr>
-            <a:spLocks noGrp="1"/>
-          </p:cNvSpPr>
-          <p:nvPr>
-            <p:ph type="sldNum" sz="quarter" idx="12"/>
-          </p:nvPr>
-        </p:nvSpPr>
-        <p:spPr/>
-        <p:txBody>
-          <a:bodyPr/>
-          <a:lstStyle/>
-          <a:p>
-            <a:fld id="{48F63A3B-78C7-47BE-AE5E-E10140E04643}" type="slidenum">
-              <a:rPr lang="en-US" dirty="0"/>
-              <a:t>9</a:t>
-            </a:fld>
-            <a:endParaRPr lang="en-US"/>
-          </a:p>
-        </p:txBody>
-      </p:sp>
-      <p:sp>
-        <p:nvSpPr>
-          <p:cNvPr id="9" name="テキスト ボックス 8">
-            <a:extLst>
-              <a:ext uri="{FF2B5EF4-FFF2-40B4-BE49-F238E27FC236}">
-                <a16:creationId xmlns:a16="http://schemas.microsoft.com/office/drawing/2014/main" id="{853433B1-1566-2D64-0D65-3F3A70AA7F32}"/>
-              </a:ext>
-            </a:extLst>
-          </p:cNvPr>
-          <p:cNvSpPr txBox="1"/>
-          <p:nvPr/>
-        </p:nvSpPr>
-        <p:spPr>
-          <a:xfrm>
-            <a:off x="1350379" y="6067063"/>
-            <a:ext cx="3964329" cy="369332"/>
-          </a:xfrm>
-          <a:prstGeom prst="rect">
-            <a:avLst/>
-          </a:prstGeom>
-          <a:noFill/>
-        </p:spPr>
-        <p:txBody>
-          <a:bodyPr rot="0" spcFirstLastPara="0" vertOverflow="overflow" horzOverflow="overflow" vert="horz" wrap="square" lIns="91440" tIns="45720" rIns="91440" bIns="45720" numCol="1" spcCol="0" rtlCol="0" fromWordArt="0" anchor="t" anchorCtr="0" forceAA="0" compatLnSpc="1">
-            <a:prstTxWarp prst="textNoShape">
-              <a:avLst/>
-            </a:prstTxWarp>
-            <a:spAutoFit/>
-          </a:bodyPr>
-          <a:lstStyle/>
-          <a:p>
-            <a:pPr algn="l"/>
-            <a:r>
-              <a:rPr lang="ja-JP" altLang="en-US">
-                <a:ea typeface="游ゴシック"/>
-                <a:cs typeface="Calibri"/>
-              </a:rPr>
-              <a:t>（図７）</a:t>
-            </a:r>
-            <a:endParaRPr lang="ja-JP" altLang="en-US"/>
-          </a:p>
-        </p:txBody>
-      </p:sp>
-      <p:pic>
-        <p:nvPicPr>
-          <p:cNvPr id="12" name="コンテンツ プレースホルダー 11" descr="グラフ&#10;&#10;説明は自動で生成されたものです">
-            <a:extLst>
-              <a:ext uri="{FF2B5EF4-FFF2-40B4-BE49-F238E27FC236}">
-                <a16:creationId xmlns:a16="http://schemas.microsoft.com/office/drawing/2014/main" id="{87B3B0D0-DA10-E205-F88B-9FEB16FAD9F2}"/>
-              </a:ext>
-            </a:extLst>
-          </p:cNvPr>
-          <p:cNvPicPr>
-            <a:picLocks noGrp="1" noChangeAspect="1"/>
-          </p:cNvPicPr>
-          <p:nvPr>
-            <p:ph idx="1"/>
-          </p:nvPr>
-        </p:nvPicPr>
-        <p:blipFill>
-          <a:blip r:embed="rId2"/>
-          <a:stretch>
-            <a:fillRect/>
-          </a:stretch>
-        </p:blipFill>
-        <p:spPr>
-          <a:xfrm>
-            <a:off x="964558" y="1380545"/>
-            <a:ext cx="10359340" cy="4643471"/>
-          </a:xfrm>
-        </p:spPr>
-      </p:pic>
-      <p:sp>
-        <p:nvSpPr>
-          <p:cNvPr id="13" name="テキスト ボックス 12">
-            <a:extLst>
-              <a:ext uri="{FF2B5EF4-FFF2-40B4-BE49-F238E27FC236}">
-                <a16:creationId xmlns:a16="http://schemas.microsoft.com/office/drawing/2014/main" id="{1D962719-5767-9A5C-EC5E-319F68680833}"/>
-              </a:ext>
-            </a:extLst>
-          </p:cNvPr>
-          <p:cNvSpPr txBox="1"/>
-          <p:nvPr/>
-        </p:nvSpPr>
-        <p:spPr>
-          <a:xfrm>
-            <a:off x="8256607" y="4928885"/>
-            <a:ext cx="3385594" cy="954107"/>
-          </a:xfrm>
-          <a:prstGeom prst="rect">
-            <a:avLst/>
-          </a:prstGeom>
-          <a:noFill/>
-        </p:spPr>
-        <p:txBody>
-          <a:bodyPr rot="0" spcFirstLastPara="0" vertOverflow="overflow" horzOverflow="overflow" vert="horz" wrap="square" lIns="91440" tIns="45720" rIns="91440" bIns="45720" numCol="1" spcCol="0" rtlCol="0" fromWordArt="0" anchor="t" anchorCtr="0" forceAA="0" compatLnSpc="1">
-            <a:prstTxWarp prst="textNoShape">
-              <a:avLst/>
-            </a:prstTxWarp>
-            <a:spAutoFit/>
-          </a:bodyPr>
-          <a:lstStyle/>
-          <a:p>
-            <a:pPr algn="l"/>
-            <a:r>
-              <a:rPr lang="ja-JP" sz="1400">
-                <a:latin typeface="MS PMincho"/>
-                <a:ea typeface="MS PMincho"/>
-                <a:cs typeface="Calibri"/>
-              </a:rPr>
-              <a:t>※利用可能性とは、そのリソース、サービスが必要に応じて利用できることを指す。（例：駐車場の利用可能性平均が高いならばアクセスしやすいなど）</a:t>
-            </a:r>
-            <a:endParaRPr lang="ja-JP"/>
-          </a:p>
-        </p:txBody>
-      </p:sp>
-    </p:spTree>
-    <p:extLst>
-      <p:ext uri="{BB962C8B-B14F-4D97-AF65-F5344CB8AC3E}">
-        <p14:creationId xmlns:p14="http://schemas.microsoft.com/office/powerpoint/2010/main" val="1616812028"/>
+        <p14:creationId xmlns:p14="http://schemas.microsoft.com/office/powerpoint/2010/main" val="899735832"/>
       </p:ext>
     </p:extLst>
   </p:cSld>

--- a/.doc/プレゼンテーション ＿課題２.pptx
+++ b/.doc/プレゼンテーション ＿課題２.pptx
@@ -20,6 +20,7 @@
     <p:sldId id="259" r:id="rId14"/>
     <p:sldId id="269" r:id="rId15"/>
     <p:sldId id="272" r:id="rId16"/>
+    <p:sldId id="276" r:id="rId17"/>
   </p:sldIdLst>
   <p:sldSz cx="12192000" cy="6858000"/>
   <p:notesSz cx="6858000" cy="9144000"/>
@@ -130,7 +131,7 @@
 <p1510:revInfo xmlns:a="http://schemas.openxmlformats.org/drawingml/2006/main" xmlns:r="http://schemas.openxmlformats.org/officeDocument/2006/relationships" xmlns:p1510="http://schemas.microsoft.com/office/powerpoint/2015/10/main">
   <p1510:revLst>
     <p1510:client id="{1F836134-A90E-4636-BF93-B8CBFA27C832}" v="1096" dt="2023-11-27T03:14:12.096"/>
-    <p1510:client id="{767CC35C-8C59-4256-B248-B55C93E36C9F}" v="88" dt="2023-11-27T05:53:22.016"/>
+    <p1510:client id="{767CC35C-8C59-4256-B248-B55C93E36C9F}" v="167" dt="2023-11-27T06:00:46.906"/>
     <p1510:client id="{7B3ACF23-ECE8-4F22-9D1C-6C8B0E9D1417}" v="3695" dt="2023-11-26T16:18:30.009"/>
     <p1510:client id="{7FD34E14-411B-4592-93A5-7EA2CCFDED0C}" v="13" dt="2023-11-27T03:17:29.287"/>
   </p1510:revLst>
@@ -618,10 +619,25 @@
   <pc:docChgLst>
     <pc:chgData name="手塚 保将" userId="f4af4f24e7bdae93" providerId="Windows Live" clId="Web-{767CC35C-8C59-4256-B248-B55C93E36C9F}"/>
     <pc:docChg chg="addSld delSld modSld sldOrd">
-      <pc:chgData name="手塚 保将" userId="f4af4f24e7bdae93" providerId="Windows Live" clId="Web-{767CC35C-8C59-4256-B248-B55C93E36C9F}" dt="2023-11-27T05:53:22.016" v="81" actId="1076"/>
+      <pc:chgData name="手塚 保将" userId="f4af4f24e7bdae93" providerId="Windows Live" clId="Web-{767CC35C-8C59-4256-B248-B55C93E36C9F}" dt="2023-11-27T06:00:46.359" v="137" actId="20577"/>
       <pc:docMkLst>
         <pc:docMk/>
       </pc:docMkLst>
+      <pc:sldChg chg="addSp modSp">
+        <pc:chgData name="手塚 保将" userId="f4af4f24e7bdae93" providerId="Windows Live" clId="Web-{767CC35C-8C59-4256-B248-B55C93E36C9F}" dt="2023-11-27T06:00:46.359" v="137" actId="20577"/>
+        <pc:sldMkLst>
+          <pc:docMk/>
+          <pc:sldMk cId="3825170587" sldId="261"/>
+        </pc:sldMkLst>
+        <pc:spChg chg="add mod">
+          <ac:chgData name="手塚 保将" userId="f4af4f24e7bdae93" providerId="Windows Live" clId="Web-{767CC35C-8C59-4256-B248-B55C93E36C9F}" dt="2023-11-27T06:00:46.359" v="137" actId="20577"/>
+          <ac:spMkLst>
+            <pc:docMk/>
+            <pc:sldMk cId="3825170587" sldId="261"/>
+            <ac:spMk id="2" creationId="{4336C030-FACA-5A7B-6144-6BF4A8FEFC0A}"/>
+          </ac:spMkLst>
+        </pc:spChg>
+      </pc:sldChg>
       <pc:sldChg chg="addSp modSp">
         <pc:chgData name="手塚 保将" userId="f4af4f24e7bdae93" providerId="Windows Live" clId="Web-{767CC35C-8C59-4256-B248-B55C93E36C9F}" dt="2023-11-27T05:53:22.016" v="81" actId="1076"/>
         <pc:sldMkLst>
@@ -691,6 +707,21 @@
           </ac:picMkLst>
         </pc:picChg>
       </pc:sldChg>
+      <pc:sldChg chg="modSp">
+        <pc:chgData name="手塚 保将" userId="f4af4f24e7bdae93" providerId="Windows Live" clId="Web-{767CC35C-8C59-4256-B248-B55C93E36C9F}" dt="2023-11-27T05:57:24.712" v="82" actId="20577"/>
+        <pc:sldMkLst>
+          <pc:docMk/>
+          <pc:sldMk cId="3768017874" sldId="272"/>
+        </pc:sldMkLst>
+        <pc:spChg chg="mod">
+          <ac:chgData name="手塚 保将" userId="f4af4f24e7bdae93" providerId="Windows Live" clId="Web-{767CC35C-8C59-4256-B248-B55C93E36C9F}" dt="2023-11-27T05:57:24.712" v="82" actId="20577"/>
+          <ac:spMkLst>
+            <pc:docMk/>
+            <pc:sldMk cId="3768017874" sldId="272"/>
+            <ac:spMk id="2" creationId="{289EDFB3-5953-A895-5D4D-75F85DB083ED}"/>
+          </ac:spMkLst>
+        </pc:spChg>
+      </pc:sldChg>
       <pc:sldChg chg="addSp delSp modSp new">
         <pc:chgData name="手塚 保将" userId="f4af4f24e7bdae93" providerId="Windows Live" clId="Web-{767CC35C-8C59-4256-B248-B55C93E36C9F}" dt="2023-11-27T05:38:58.831" v="25" actId="20577"/>
         <pc:sldMkLst>
@@ -813,6 +844,37 @@
             <pc:docMk/>
             <pc:sldMk cId="2251281037" sldId="275"/>
             <ac:picMk id="8" creationId="{3EA8EDB1-53B0-612B-F0DF-35D323477977}"/>
+          </ac:picMkLst>
+        </pc:picChg>
+      </pc:sldChg>
+      <pc:sldChg chg="addSp delSp modSp new">
+        <pc:chgData name="手塚 保将" userId="f4af4f24e7bdae93" providerId="Windows Live" clId="Web-{767CC35C-8C59-4256-B248-B55C93E36C9F}" dt="2023-11-27T05:58:58.074" v="109" actId="14100"/>
+        <pc:sldMkLst>
+          <pc:docMk/>
+          <pc:sldMk cId="1999931508" sldId="276"/>
+        </pc:sldMkLst>
+        <pc:spChg chg="mod">
+          <ac:chgData name="手塚 保将" userId="f4af4f24e7bdae93" providerId="Windows Live" clId="Web-{767CC35C-8C59-4256-B248-B55C93E36C9F}" dt="2023-11-27T05:58:14.245" v="102" actId="14100"/>
+          <ac:spMkLst>
+            <pc:docMk/>
+            <pc:sldMk cId="1999931508" sldId="276"/>
+            <ac:spMk id="2" creationId="{AF1BEE3D-B557-56CA-D42C-3AF3E6010F69}"/>
+          </ac:spMkLst>
+        </pc:spChg>
+        <pc:spChg chg="del">
+          <ac:chgData name="手塚 保将" userId="f4af4f24e7bdae93" providerId="Windows Live" clId="Web-{767CC35C-8C59-4256-B248-B55C93E36C9F}" dt="2023-11-27T05:58:18.135" v="103"/>
+          <ac:spMkLst>
+            <pc:docMk/>
+            <pc:sldMk cId="1999931508" sldId="276"/>
+            <ac:spMk id="3" creationId="{05488D2A-FAAF-68AA-41DB-6114B69CE272}"/>
+          </ac:spMkLst>
+        </pc:spChg>
+        <pc:picChg chg="add mod">
+          <ac:chgData name="手塚 保将" userId="f4af4f24e7bdae93" providerId="Windows Live" clId="Web-{767CC35C-8C59-4256-B248-B55C93E36C9F}" dt="2023-11-27T05:58:58.074" v="109" actId="14100"/>
+          <ac:picMkLst>
+            <pc:docMk/>
+            <pc:sldMk cId="1999931508" sldId="276"/>
+            <ac:picMk id="5" creationId="{42152DA3-7A8C-FB87-FA9E-3BA664791AA4}"/>
           </ac:picMkLst>
         </pc:picChg>
       </pc:sldChg>
@@ -10967,10 +11029,10 @@
                 <a:ea typeface="MS PMincho"/>
                 <a:cs typeface="Calibri Light"/>
               </a:rPr>
-              <a:t>付録：公園タイプの説明</a:t>
+              <a:t>付録１：公園タイプの説明</a:t>
             </a:r>
             <a:br>
-              <a:rPr lang="ja-JP" altLang="en-US" sz="3600">
+              <a:rPr lang="ja-JP" altLang="en-US" sz="3600" dirty="0">
                 <a:latin typeface="MS PMincho"/>
                 <a:ea typeface="MS PMincho"/>
                 <a:cs typeface="Calibri Light"/>
@@ -11529,6 +11591,134 @@
     <p:extLst>
       <p:ext uri="{BB962C8B-B14F-4D97-AF65-F5344CB8AC3E}">
         <p14:creationId xmlns:p14="http://schemas.microsoft.com/office/powerpoint/2010/main" val="3768017874"/>
+      </p:ext>
+    </p:extLst>
+  </p:cSld>
+  <p:clrMapOvr>
+    <a:masterClrMapping/>
+  </p:clrMapOvr>
+</p:sld>
+</file>
+
+<file path=ppt/slides/slide16.xml><?xml version="1.0" encoding="utf-8"?>
+<p:sld xmlns:a="http://schemas.openxmlformats.org/drawingml/2006/main" xmlns:r="http://schemas.openxmlformats.org/officeDocument/2006/relationships" xmlns:p="http://schemas.openxmlformats.org/presentationml/2006/main">
+  <p:cSld>
+    <p:spTree>
+      <p:nvGrpSpPr>
+        <p:cNvPr id="1" name=""/>
+        <p:cNvGrpSpPr/>
+        <p:nvPr/>
+      </p:nvGrpSpPr>
+      <p:grpSpPr>
+        <a:xfrm>
+          <a:off x="0" y="0"/>
+          <a:ext cx="0" cy="0"/>
+          <a:chOff x="0" y="0"/>
+          <a:chExt cx="0" cy="0"/>
+        </a:xfrm>
+      </p:grpSpPr>
+      <p:sp>
+        <p:nvSpPr>
+          <p:cNvPr id="2" name="タイトル 1">
+            <a:extLst>
+              <a:ext uri="{FF2B5EF4-FFF2-40B4-BE49-F238E27FC236}">
+                <a16:creationId xmlns:a16="http://schemas.microsoft.com/office/drawing/2014/main" id="{AF1BEE3D-B557-56CA-D42C-3AF3E6010F69}"/>
+              </a:ext>
+            </a:extLst>
+          </p:cNvPr>
+          <p:cNvSpPr>
+            <a:spLocks noGrp="1"/>
+          </p:cNvSpPr>
+          <p:nvPr>
+            <p:ph type="title"/>
+          </p:nvPr>
+        </p:nvSpPr>
+        <p:spPr>
+          <a:xfrm>
+            <a:off x="838200" y="365125"/>
+            <a:ext cx="3739243" cy="255135"/>
+          </a:xfrm>
+        </p:spPr>
+        <p:txBody>
+          <a:bodyPr>
+            <a:normAutofit fontScale="90000"/>
+          </a:bodyPr>
+          <a:lstStyle/>
+          <a:p>
+            <a:r>
+              <a:rPr lang="ja-JP" altLang="en-US" sz="2200">
+                <a:ea typeface="游ゴシック Light"/>
+                <a:cs typeface="Calibri Light"/>
+              </a:rPr>
+              <a:t>付録２：神奈川県地図</a:t>
+            </a:r>
+            <a:endParaRPr kumimoji="1" lang="ja-JP" altLang="en-US" sz="2200"/>
+          </a:p>
+        </p:txBody>
+      </p:sp>
+      <p:sp>
+        <p:nvSpPr>
+          <p:cNvPr id="4" name="スライド番号プレースホルダー 3">
+            <a:extLst>
+              <a:ext uri="{FF2B5EF4-FFF2-40B4-BE49-F238E27FC236}">
+                <a16:creationId xmlns:a16="http://schemas.microsoft.com/office/drawing/2014/main" id="{305AC279-D661-3694-69FB-5D00B014266C}"/>
+              </a:ext>
+            </a:extLst>
+          </p:cNvPr>
+          <p:cNvSpPr>
+            <a:spLocks noGrp="1"/>
+          </p:cNvSpPr>
+          <p:nvPr>
+            <p:ph type="sldNum" sz="quarter" idx="12"/>
+          </p:nvPr>
+        </p:nvSpPr>
+        <p:spPr/>
+        <p:txBody>
+          <a:bodyPr/>
+          <a:lstStyle/>
+          <a:p>
+            <a:fld id="{48F63A3B-78C7-47BE-AE5E-E10140E04643}" type="slidenum">
+              <a:rPr lang="en-US" dirty="0"/>
+              <a:t>16</a:t>
+            </a:fld>
+            <a:endParaRPr lang="en-US"/>
+          </a:p>
+        </p:txBody>
+      </p:sp>
+      <p:pic>
+        <p:nvPicPr>
+          <p:cNvPr id="5" name="図 4" descr="マップ&#10;&#10;説明は自動で生成されたものです">
+            <a:extLst>
+              <a:ext uri="{FF2B5EF4-FFF2-40B4-BE49-F238E27FC236}">
+                <a16:creationId xmlns:a16="http://schemas.microsoft.com/office/drawing/2014/main" id="{42152DA3-7A8C-FB87-FA9E-3BA664791AA4}"/>
+              </a:ext>
+            </a:extLst>
+          </p:cNvPr>
+          <p:cNvPicPr>
+            <a:picLocks noChangeAspect="1"/>
+          </p:cNvPicPr>
+          <p:nvPr/>
+        </p:nvPicPr>
+        <p:blipFill>
+          <a:blip r:embed="rId2"/>
+          <a:stretch>
+            <a:fillRect/>
+          </a:stretch>
+        </p:blipFill>
+        <p:spPr>
+          <a:xfrm>
+            <a:off x="2124588" y="1161237"/>
+            <a:ext cx="8291569" cy="4923248"/>
+          </a:xfrm>
+          <a:prstGeom prst="rect">
+            <a:avLst/>
+          </a:prstGeom>
+        </p:spPr>
+      </p:pic>
+    </p:spTree>
+    <p:extLst>
+      <p:ext uri="{BB962C8B-B14F-4D97-AF65-F5344CB8AC3E}">
+        <p14:creationId xmlns:p14="http://schemas.microsoft.com/office/powerpoint/2010/main" val="1999931508"/>
       </p:ext>
     </p:extLst>
   </p:cSld>
@@ -14100,6 +14290,49 @@
           <a:p>
             <a:pPr algn="l"/>
             <a:endParaRPr lang="ja-JP" altLang="en-US"/>
+          </a:p>
+        </p:txBody>
+      </p:sp>
+      <p:sp>
+        <p:nvSpPr>
+          <p:cNvPr id="2" name="テキスト ボックス 1">
+            <a:extLst>
+              <a:ext uri="{FF2B5EF4-FFF2-40B4-BE49-F238E27FC236}">
+                <a16:creationId xmlns:a16="http://schemas.microsoft.com/office/drawing/2014/main" id="{4336C030-FACA-5A7B-6144-6BF4A8FEFC0A}"/>
+              </a:ext>
+            </a:extLst>
+          </p:cNvPr>
+          <p:cNvSpPr txBox="1"/>
+          <p:nvPr/>
+        </p:nvSpPr>
+        <p:spPr>
+          <a:xfrm>
+            <a:off x="1006592" y="6030148"/>
+            <a:ext cx="8080962" cy="307777"/>
+          </a:xfrm>
+          <a:prstGeom prst="rect">
+            <a:avLst/>
+          </a:prstGeom>
+          <a:noFill/>
+        </p:spPr>
+        <p:txBody>
+          <a:bodyPr rot="0" spcFirstLastPara="0" vertOverflow="overflow" horzOverflow="overflow" vert="horz" wrap="square" lIns="91440" tIns="45720" rIns="91440" bIns="45720" numCol="1" spcCol="0" rtlCol="0" fromWordArt="0" anchor="t" anchorCtr="0" forceAA="0" compatLnSpc="1">
+            <a:prstTxWarp prst="textNoShape">
+              <a:avLst/>
+            </a:prstTxWarp>
+            <a:spAutoFit/>
+          </a:bodyPr>
+          <a:lstStyle/>
+          <a:p>
+            <a:pPr algn="l"/>
+            <a:r>
+              <a:rPr lang="ja-JP" altLang="en-US" sz="1400">
+                <a:ea typeface="游ゴシック"/>
+                <a:cs typeface="Calibri"/>
+              </a:rPr>
+              <a:t>※神奈川県の地図を付録２に掲載しておりますので、適宜ご参照ください。</a:t>
+            </a:r>
+            <a:endParaRPr lang="ja-JP" altLang="en-US" sz="1400"/>
           </a:p>
         </p:txBody>
       </p:sp>

--- a/.doc/プレゼンテーション ＿課題２.pptx
+++ b/.doc/プレゼンテーション ＿課題２.pptx
@@ -19,8 +19,8 @@
     <p:sldId id="268" r:id="rId13"/>
     <p:sldId id="259" r:id="rId14"/>
     <p:sldId id="269" r:id="rId15"/>
-    <p:sldId id="272" r:id="rId16"/>
-    <p:sldId id="276" r:id="rId17"/>
+    <p:sldId id="276" r:id="rId16"/>
+    <p:sldId id="272" r:id="rId17"/>
   </p:sldIdLst>
   <p:sldSz cx="12192000" cy="6858000"/>
   <p:notesSz cx="6858000" cy="9144000"/>
@@ -134,12 +134,158 @@
     <p1510:client id="{767CC35C-8C59-4256-B248-B55C93E36C9F}" v="167" dt="2023-11-27T06:00:46.906"/>
     <p1510:client id="{7B3ACF23-ECE8-4F22-9D1C-6C8B0E9D1417}" v="3695" dt="2023-11-26T16:18:30.009"/>
     <p1510:client id="{7FD34E14-411B-4592-93A5-7EA2CCFDED0C}" v="13" dt="2023-11-27T03:17:29.287"/>
+    <p1510:client id="{E07FE53D-E1E3-4A85-A050-158A3CE74D00}" v="191" dt="2023-11-27T11:13:15.920"/>
   </p1510:revLst>
 </p1510:revInfo>
 </file>
 
 <file path=ppt/changesInfos/changesInfo1.xml><?xml version="1.0" encoding="utf-8"?>
 <pc:chgInfo xmlns:a="http://schemas.openxmlformats.org/drawingml/2006/main" xmlns:r="http://schemas.openxmlformats.org/officeDocument/2006/relationships" xmlns:ac="http://schemas.microsoft.com/office/drawing/2013/main/command" xmlns:pc="http://schemas.microsoft.com/office/powerpoint/2013/main/command">
+  <pc:docChgLst>
+    <pc:chgData name="手塚 保将" userId="f4af4f24e7bdae93" providerId="Windows Live" clId="Web-{E07FE53D-E1E3-4A85-A050-158A3CE74D00}"/>
+    <pc:docChg chg="modSld sldOrd">
+      <pc:chgData name="手塚 保将" userId="f4af4f24e7bdae93" providerId="Windows Live" clId="Web-{E07FE53D-E1E3-4A85-A050-158A3CE74D00}" dt="2023-11-27T11:13:15.920" v="167" actId="20577"/>
+      <pc:docMkLst>
+        <pc:docMk/>
+      </pc:docMkLst>
+      <pc:sldChg chg="modSp">
+        <pc:chgData name="手塚 保将" userId="f4af4f24e7bdae93" providerId="Windows Live" clId="Web-{E07FE53D-E1E3-4A85-A050-158A3CE74D00}" dt="2023-11-27T06:24:00.924" v="59" actId="20577"/>
+        <pc:sldMkLst>
+          <pc:docMk/>
+          <pc:sldMk cId="3825170587" sldId="261"/>
+        </pc:sldMkLst>
+        <pc:spChg chg="mod">
+          <ac:chgData name="手塚 保将" userId="f4af4f24e7bdae93" providerId="Windows Live" clId="Web-{E07FE53D-E1E3-4A85-A050-158A3CE74D00}" dt="2023-11-27T06:24:00.924" v="59" actId="20577"/>
+          <ac:spMkLst>
+            <pc:docMk/>
+            <pc:sldMk cId="3825170587" sldId="261"/>
+            <ac:spMk id="2" creationId="{4336C030-FACA-5A7B-6144-6BF4A8FEFC0A}"/>
+          </ac:spMkLst>
+        </pc:spChg>
+      </pc:sldChg>
+      <pc:sldChg chg="modSp">
+        <pc:chgData name="手塚 保将" userId="f4af4f24e7bdae93" providerId="Windows Live" clId="Web-{E07FE53D-E1E3-4A85-A050-158A3CE74D00}" dt="2023-11-27T06:24:30.144" v="72" actId="20577"/>
+        <pc:sldMkLst>
+          <pc:docMk/>
+          <pc:sldMk cId="455351923" sldId="265"/>
+        </pc:sldMkLst>
+        <pc:spChg chg="mod">
+          <ac:chgData name="手塚 保将" userId="f4af4f24e7bdae93" providerId="Windows Live" clId="Web-{E07FE53D-E1E3-4A85-A050-158A3CE74D00}" dt="2023-11-27T06:24:30.144" v="72" actId="20577"/>
+          <ac:spMkLst>
+            <pc:docMk/>
+            <pc:sldMk cId="455351923" sldId="265"/>
+            <ac:spMk id="18" creationId="{E9FB1541-01BD-1CF1-7CD7-14E78FAD05F6}"/>
+          </ac:spMkLst>
+        </pc:spChg>
+      </pc:sldChg>
+      <pc:sldChg chg="modSp">
+        <pc:chgData name="手塚 保将" userId="f4af4f24e7bdae93" providerId="Windows Live" clId="Web-{E07FE53D-E1E3-4A85-A050-158A3CE74D00}" dt="2023-11-27T11:13:15.920" v="167" actId="20577"/>
+        <pc:sldMkLst>
+          <pc:docMk/>
+          <pc:sldMk cId="1700323060" sldId="269"/>
+        </pc:sldMkLst>
+        <pc:spChg chg="mod">
+          <ac:chgData name="手塚 保将" userId="f4af4f24e7bdae93" providerId="Windows Live" clId="Web-{E07FE53D-E1E3-4A85-A050-158A3CE74D00}" dt="2023-11-27T11:13:15.920" v="167" actId="20577"/>
+          <ac:spMkLst>
+            <pc:docMk/>
+            <pc:sldMk cId="1700323060" sldId="269"/>
+            <ac:spMk id="3" creationId="{C00AE3E7-2C91-C604-DB69-F1EC0CFA9C77}"/>
+          </ac:spMkLst>
+        </pc:spChg>
+      </pc:sldChg>
+      <pc:sldChg chg="modSp">
+        <pc:chgData name="手塚 保将" userId="f4af4f24e7bdae93" providerId="Windows Live" clId="Web-{E07FE53D-E1E3-4A85-A050-158A3CE74D00}" dt="2023-11-27T06:22:54.938" v="49" actId="20577"/>
+        <pc:sldMkLst>
+          <pc:docMk/>
+          <pc:sldMk cId="3768017874" sldId="272"/>
+        </pc:sldMkLst>
+        <pc:spChg chg="mod">
+          <ac:chgData name="手塚 保将" userId="f4af4f24e7bdae93" providerId="Windows Live" clId="Web-{E07FE53D-E1E3-4A85-A050-158A3CE74D00}" dt="2023-11-27T06:22:54.938" v="49" actId="20577"/>
+          <ac:spMkLst>
+            <pc:docMk/>
+            <pc:sldMk cId="3768017874" sldId="272"/>
+            <ac:spMk id="2" creationId="{289EDFB3-5953-A895-5D4D-75F85DB083ED}"/>
+          </ac:spMkLst>
+        </pc:spChg>
+      </pc:sldChg>
+      <pc:sldChg chg="modSp">
+        <pc:chgData name="手塚 保将" userId="f4af4f24e7bdae93" providerId="Windows Live" clId="Web-{E07FE53D-E1E3-4A85-A050-158A3CE74D00}" dt="2023-11-27T06:23:46.033" v="57" actId="20577"/>
+        <pc:sldMkLst>
+          <pc:docMk/>
+          <pc:sldMk cId="4064398456" sldId="273"/>
+        </pc:sldMkLst>
+        <pc:spChg chg="mod">
+          <ac:chgData name="手塚 保将" userId="f4af4f24e7bdae93" providerId="Windows Live" clId="Web-{E07FE53D-E1E3-4A85-A050-158A3CE74D00}" dt="2023-11-27T06:23:46.033" v="57" actId="20577"/>
+          <ac:spMkLst>
+            <pc:docMk/>
+            <pc:sldMk cId="4064398456" sldId="273"/>
+            <ac:spMk id="2" creationId="{D31A491D-77E9-0D69-B7C3-BBF5257F0710}"/>
+          </ac:spMkLst>
+        </pc:spChg>
+      </pc:sldChg>
+      <pc:sldChg chg="addSp delSp modSp">
+        <pc:chgData name="手塚 保将" userId="f4af4f24e7bdae93" providerId="Windows Live" clId="Web-{E07FE53D-E1E3-4A85-A050-158A3CE74D00}" dt="2023-11-27T06:23:35.580" v="56" actId="20577"/>
+        <pc:sldMkLst>
+          <pc:docMk/>
+          <pc:sldMk cId="2897174269" sldId="274"/>
+        </pc:sldMkLst>
+        <pc:spChg chg="add del mod">
+          <ac:chgData name="手塚 保将" userId="f4af4f24e7bdae93" providerId="Windows Live" clId="Web-{E07FE53D-E1E3-4A85-A050-158A3CE74D00}" dt="2023-11-27T06:15:27.205" v="21"/>
+          <ac:spMkLst>
+            <pc:docMk/>
+            <pc:sldMk cId="2897174269" sldId="274"/>
+            <ac:spMk id="3" creationId="{71695BCC-BAF3-E9E2-24F6-C573069B3D3A}"/>
+          </ac:spMkLst>
+        </pc:spChg>
+        <pc:spChg chg="add del mod">
+          <ac:chgData name="手塚 保将" userId="f4af4f24e7bdae93" providerId="Windows Live" clId="Web-{E07FE53D-E1E3-4A85-A050-158A3CE74D00}" dt="2023-11-27T06:23:35.580" v="56" actId="20577"/>
+          <ac:spMkLst>
+            <pc:docMk/>
+            <pc:sldMk cId="2897174269" sldId="274"/>
+            <ac:spMk id="6" creationId="{4796A0C0-821F-EED3-5BB4-884029D62CE5}"/>
+          </ac:spMkLst>
+        </pc:spChg>
+      </pc:sldChg>
+      <pc:sldChg chg="modSp">
+        <pc:chgData name="手塚 保将" userId="f4af4f24e7bdae93" providerId="Windows Live" clId="Web-{E07FE53D-E1E3-4A85-A050-158A3CE74D00}" dt="2023-11-27T06:23:28.283" v="55" actId="20577"/>
+        <pc:sldMkLst>
+          <pc:docMk/>
+          <pc:sldMk cId="2251281037" sldId="275"/>
+        </pc:sldMkLst>
+        <pc:spChg chg="mod">
+          <ac:chgData name="手塚 保将" userId="f4af4f24e7bdae93" providerId="Windows Live" clId="Web-{E07FE53D-E1E3-4A85-A050-158A3CE74D00}" dt="2023-11-27T06:23:28.283" v="55" actId="20577"/>
+          <ac:spMkLst>
+            <pc:docMk/>
+            <pc:sldMk cId="2251281037" sldId="275"/>
+            <ac:spMk id="6" creationId="{A6D6E174-5E2D-473F-05B2-D26DEA7C1BB1}"/>
+          </ac:spMkLst>
+        </pc:spChg>
+      </pc:sldChg>
+      <pc:sldChg chg="modSp ord">
+        <pc:chgData name="手塚 保将" userId="f4af4f24e7bdae93" providerId="Windows Live" clId="Web-{E07FE53D-E1E3-4A85-A050-158A3CE74D00}" dt="2023-11-27T06:23:09.173" v="54" actId="20577"/>
+        <pc:sldMkLst>
+          <pc:docMk/>
+          <pc:sldMk cId="1999931508" sldId="276"/>
+        </pc:sldMkLst>
+        <pc:spChg chg="mod">
+          <ac:chgData name="手塚 保将" userId="f4af4f24e7bdae93" providerId="Windows Live" clId="Web-{E07FE53D-E1E3-4A85-A050-158A3CE74D00}" dt="2023-11-27T06:23:09.173" v="54" actId="20577"/>
+          <ac:spMkLst>
+            <pc:docMk/>
+            <pc:sldMk cId="1999931508" sldId="276"/>
+            <ac:spMk id="2" creationId="{AF1BEE3D-B557-56CA-D42C-3AF3E6010F69}"/>
+          </ac:spMkLst>
+        </pc:spChg>
+        <pc:picChg chg="mod">
+          <ac:chgData name="手塚 保将" userId="f4af4f24e7bdae93" providerId="Windows Live" clId="Web-{E07FE53D-E1E3-4A85-A050-158A3CE74D00}" dt="2023-11-27T06:16:22.816" v="39" actId="1076"/>
+          <ac:picMkLst>
+            <pc:docMk/>
+            <pc:sldMk cId="1999931508" sldId="276"/>
+            <ac:picMk id="5" creationId="{42152DA3-7A8C-FB87-FA9E-3BA664791AA4}"/>
+          </ac:picMkLst>
+        </pc:picChg>
+      </pc:sldChg>
+    </pc:docChg>
+  </pc:docChgLst>
   <pc:docChgLst>
     <pc:chgData name="手塚 保将" userId="f4af4f24e7bdae93" providerId="Windows Live" clId="Web-{1F836134-A90E-4636-BF93-B8CBFA27C832}"/>
     <pc:docChg chg="addSld delSld modSld sldOrd">
@@ -5103,7 +5249,7 @@
           <a:p>
             <a:fld id="{C764DE79-268F-4C1A-8933-263129D2AF90}" type="datetimeFigureOut">
               <a:rPr lang="en-US" dirty="0"/>
-              <a:t>11/26/2023</a:t>
+              <a:t>11/27/2023</a:t>
             </a:fld>
             <a:endParaRPr lang="en-US"/>
           </a:p>
@@ -5272,7 +5418,7 @@
           <a:p>
             <a:fld id="{C764DE79-268F-4C1A-8933-263129D2AF90}" type="datetimeFigureOut">
               <a:rPr lang="en-US" dirty="0"/>
-              <a:t>11/26/2023</a:t>
+              <a:t>11/27/2023</a:t>
             </a:fld>
             <a:endParaRPr lang="en-US"/>
           </a:p>
@@ -5451,7 +5597,7 @@
           <a:p>
             <a:fld id="{C764DE79-268F-4C1A-8933-263129D2AF90}" type="datetimeFigureOut">
               <a:rPr lang="en-US" dirty="0"/>
-              <a:t>11/26/2023</a:t>
+              <a:t>11/27/2023</a:t>
             </a:fld>
             <a:endParaRPr lang="en-US"/>
           </a:p>
@@ -5620,7 +5766,7 @@
           <a:p>
             <a:fld id="{C764DE79-268F-4C1A-8933-263129D2AF90}" type="datetimeFigureOut">
               <a:rPr lang="en-US" dirty="0"/>
-              <a:t>11/26/2023</a:t>
+              <a:t>11/27/2023</a:t>
             </a:fld>
             <a:endParaRPr lang="en-US"/>
           </a:p>
@@ -5866,7 +6012,7 @@
           <a:p>
             <a:fld id="{C764DE79-268F-4C1A-8933-263129D2AF90}" type="datetimeFigureOut">
               <a:rPr lang="en-US" dirty="0"/>
-              <a:t>11/26/2023</a:t>
+              <a:t>11/27/2023</a:t>
             </a:fld>
             <a:endParaRPr lang="en-US"/>
           </a:p>
@@ -6096,7 +6242,7 @@
           <a:p>
             <a:fld id="{C764DE79-268F-4C1A-8933-263129D2AF90}" type="datetimeFigureOut">
               <a:rPr lang="en-US" dirty="0"/>
-              <a:t>11/26/2023</a:t>
+              <a:t>11/27/2023</a:t>
             </a:fld>
             <a:endParaRPr lang="en-US"/>
           </a:p>
@@ -6461,7 +6607,7 @@
           <a:p>
             <a:fld id="{C764DE79-268F-4C1A-8933-263129D2AF90}" type="datetimeFigureOut">
               <a:rPr lang="en-US" dirty="0"/>
-              <a:t>11/26/2023</a:t>
+              <a:t>11/27/2023</a:t>
             </a:fld>
             <a:endParaRPr lang="en-US"/>
           </a:p>
@@ -6579,7 +6725,7 @@
           <a:p>
             <a:fld id="{C764DE79-268F-4C1A-8933-263129D2AF90}" type="datetimeFigureOut">
               <a:rPr lang="en-US" dirty="0"/>
-              <a:t>11/26/2023</a:t>
+              <a:t>11/27/2023</a:t>
             </a:fld>
             <a:endParaRPr lang="en-US"/>
           </a:p>
@@ -6675,7 +6821,7 @@
           <a:p>
             <a:fld id="{C764DE79-268F-4C1A-8933-263129D2AF90}" type="datetimeFigureOut">
               <a:rPr lang="en-US" dirty="0"/>
-              <a:t>11/26/2023</a:t>
+              <a:t>11/27/2023</a:t>
             </a:fld>
             <a:endParaRPr lang="en-US"/>
           </a:p>
@@ -6951,7 +7097,7 @@
           <a:p>
             <a:fld id="{C764DE79-268F-4C1A-8933-263129D2AF90}" type="datetimeFigureOut">
               <a:rPr lang="en-US" dirty="0"/>
-              <a:t>11/26/2023</a:t>
+              <a:t>11/27/2023</a:t>
             </a:fld>
             <a:endParaRPr lang="en-US"/>
           </a:p>
@@ -7204,7 +7350,7 @@
           <a:p>
             <a:fld id="{C764DE79-268F-4C1A-8933-263129D2AF90}" type="datetimeFigureOut">
               <a:rPr lang="en-US" dirty="0"/>
-              <a:t>11/26/2023</a:t>
+              <a:t>11/27/2023</a:t>
             </a:fld>
             <a:endParaRPr lang="en-US"/>
           </a:p>
@@ -7416,7 +7562,7 @@
           <a:p>
             <a:fld id="{C764DE79-268F-4C1A-8933-263129D2AF90}" type="datetimeFigureOut">
               <a:rPr lang="en-US" dirty="0"/>
-              <a:t>11/26/2023</a:t>
+              <a:t>11/27/2023</a:t>
             </a:fld>
             <a:endParaRPr lang="en-US"/>
           </a:p>
@@ -8986,7 +9132,7 @@
                 <a:ea typeface="MS PMincho"/>
                 <a:cs typeface="Calibri"/>
               </a:rPr>
-              <a:t>※最後のページに公園種別についての説明の付録がありますので、適宜ご確認ください。</a:t>
+              <a:t>※付録２に公園種別についての説明がありますので、適宜ご参照ください。</a:t>
             </a:r>
           </a:p>
         </p:txBody>
@@ -10757,7 +10903,7 @@
         </p:spPr>
         <p:txBody>
           <a:bodyPr vert="horz" lIns="91440" tIns="45720" rIns="91440" bIns="45720" rtlCol="0" anchor="ctr">
-            <a:normAutofit lnSpcReduction="10000"/>
+            <a:normAutofit fontScale="92500" lnSpcReduction="10000"/>
           </a:bodyPr>
           <a:lstStyle/>
           <a:p>
@@ -10835,9 +10981,16 @@
             </a:r>
           </a:p>
           <a:p>
-            <a:pPr marL="0" indent="0">
-              <a:buNone/>
-            </a:pPr>
+            <a:r>
+              <a:rPr lang="ja-JP" altLang="en-US" sz="2000">
+                <a:latin typeface="MS PMincho"/>
+                <a:ea typeface="MS PMincho"/>
+                <a:cs typeface="Calibri"/>
+              </a:rPr>
+              <a:t>公園の計画・開発や設備投資に関する費用対効果分析をする。</a:t>
+            </a:r>
+          </a:p>
+          <a:p>
             <a:r>
               <a:rPr lang="ja-JP" altLang="en-US" sz="2000" b="1">
                 <a:latin typeface="MS PMincho"/>
@@ -10846,6 +10999,11 @@
               </a:rPr>
               <a:t>○提案</a:t>
             </a:r>
+            <a:endParaRPr lang="ja-JP" altLang="en-US" sz="2000">
+              <a:latin typeface="MS PMincho"/>
+              <a:ea typeface="MS PMincho"/>
+              <a:cs typeface="Calibri"/>
+            </a:endParaRPr>
           </a:p>
           <a:p>
             <a:r>
@@ -10900,10 +11058,13 @@
                 <a:ea typeface="MS PMincho"/>
                 <a:cs typeface="Calibri"/>
               </a:rPr>
-              <a:t>地域コミュニティ活性のためにすべての世代が協力・参加できる取り組み、イベントの開催を検討してはどうか。</a:t>
-            </a:r>
-          </a:p>
-          <a:p>
+              <a:t>地域コミュニティ活性のためにすべての世代が協力・参加できる取り組みを検討してはどうか。</a:t>
+            </a:r>
+          </a:p>
+          <a:p>
+            <a:pPr marL="0" indent="0">
+              <a:buNone/>
+            </a:pPr>
             <a:endParaRPr lang="ja-JP" altLang="en-US" sz="2000">
               <a:latin typeface="MS PMincho"/>
               <a:ea typeface="MS PMincho"/>
@@ -10979,6 +11140,138 @@
 </file>
 
 <file path=ppt/slides/slide15.xml><?xml version="1.0" encoding="utf-8"?>
+<p:sld xmlns:a="http://schemas.openxmlformats.org/drawingml/2006/main" xmlns:r="http://schemas.openxmlformats.org/officeDocument/2006/relationships" xmlns:p="http://schemas.openxmlformats.org/presentationml/2006/main">
+  <p:cSld>
+    <p:spTree>
+      <p:nvGrpSpPr>
+        <p:cNvPr id="1" name=""/>
+        <p:cNvGrpSpPr/>
+        <p:nvPr/>
+      </p:nvGrpSpPr>
+      <p:grpSpPr>
+        <a:xfrm>
+          <a:off x="0" y="0"/>
+          <a:ext cx="0" cy="0"/>
+          <a:chOff x="0" y="0"/>
+          <a:chExt cx="0" cy="0"/>
+        </a:xfrm>
+      </p:grpSpPr>
+      <p:sp>
+        <p:nvSpPr>
+          <p:cNvPr id="2" name="タイトル 1">
+            <a:extLst>
+              <a:ext uri="{FF2B5EF4-FFF2-40B4-BE49-F238E27FC236}">
+                <a16:creationId xmlns:a16="http://schemas.microsoft.com/office/drawing/2014/main" id="{AF1BEE3D-B557-56CA-D42C-3AF3E6010F69}"/>
+              </a:ext>
+            </a:extLst>
+          </p:cNvPr>
+          <p:cNvSpPr>
+            <a:spLocks noGrp="1"/>
+          </p:cNvSpPr>
+          <p:nvPr>
+            <p:ph type="title"/>
+          </p:nvPr>
+        </p:nvSpPr>
+        <p:spPr>
+          <a:xfrm>
+            <a:off x="838200" y="365125"/>
+            <a:ext cx="3739243" cy="255135"/>
+          </a:xfrm>
+        </p:spPr>
+        <p:txBody>
+          <a:bodyPr>
+            <a:normAutofit fontScale="90000"/>
+          </a:bodyPr>
+          <a:lstStyle/>
+          <a:p>
+            <a:r>
+              <a:rPr lang="ja-JP" altLang="en-US" sz="2200">
+                <a:latin typeface="MS PMincho"/>
+                <a:ea typeface="MS PMincho"/>
+                <a:cs typeface="Calibri Light"/>
+              </a:rPr>
+              <a:t>付録１：神奈川県地図</a:t>
+            </a:r>
+            <a:endParaRPr kumimoji="1" lang="ja-JP" altLang="en-US" sz="2200">
+              <a:latin typeface="MS PMincho"/>
+              <a:ea typeface="MS PMincho"/>
+            </a:endParaRPr>
+          </a:p>
+        </p:txBody>
+      </p:sp>
+      <p:sp>
+        <p:nvSpPr>
+          <p:cNvPr id="4" name="スライド番号プレースホルダー 3">
+            <a:extLst>
+              <a:ext uri="{FF2B5EF4-FFF2-40B4-BE49-F238E27FC236}">
+                <a16:creationId xmlns:a16="http://schemas.microsoft.com/office/drawing/2014/main" id="{305AC279-D661-3694-69FB-5D00B014266C}"/>
+              </a:ext>
+            </a:extLst>
+          </p:cNvPr>
+          <p:cNvSpPr>
+            <a:spLocks noGrp="1"/>
+          </p:cNvSpPr>
+          <p:nvPr>
+            <p:ph type="sldNum" sz="quarter" idx="12"/>
+          </p:nvPr>
+        </p:nvSpPr>
+        <p:spPr/>
+        <p:txBody>
+          <a:bodyPr/>
+          <a:lstStyle/>
+          <a:p>
+            <a:fld id="{48F63A3B-78C7-47BE-AE5E-E10140E04643}" type="slidenum">
+              <a:rPr lang="en-US" dirty="0"/>
+              <a:t>15</a:t>
+            </a:fld>
+            <a:endParaRPr lang="en-US"/>
+          </a:p>
+        </p:txBody>
+      </p:sp>
+      <p:pic>
+        <p:nvPicPr>
+          <p:cNvPr id="5" name="図 4" descr="マップ&#10;&#10;説明は自動で生成されたものです">
+            <a:extLst>
+              <a:ext uri="{FF2B5EF4-FFF2-40B4-BE49-F238E27FC236}">
+                <a16:creationId xmlns:a16="http://schemas.microsoft.com/office/drawing/2014/main" id="{42152DA3-7A8C-FB87-FA9E-3BA664791AA4}"/>
+              </a:ext>
+            </a:extLst>
+          </p:cNvPr>
+          <p:cNvPicPr>
+            <a:picLocks noChangeAspect="1"/>
+          </p:cNvPicPr>
+          <p:nvPr/>
+        </p:nvPicPr>
+        <p:blipFill>
+          <a:blip r:embed="rId2"/>
+          <a:stretch>
+            <a:fillRect/>
+          </a:stretch>
+        </p:blipFill>
+        <p:spPr>
+          <a:xfrm>
+            <a:off x="1952231" y="1025165"/>
+            <a:ext cx="8291569" cy="4923248"/>
+          </a:xfrm>
+          <a:prstGeom prst="rect">
+            <a:avLst/>
+          </a:prstGeom>
+        </p:spPr>
+      </p:pic>
+    </p:spTree>
+    <p:extLst>
+      <p:ext uri="{BB962C8B-B14F-4D97-AF65-F5344CB8AC3E}">
+        <p14:creationId xmlns:p14="http://schemas.microsoft.com/office/powerpoint/2010/main" val="1999931508"/>
+      </p:ext>
+    </p:extLst>
+  </p:cSld>
+  <p:clrMapOvr>
+    <a:masterClrMapping/>
+  </p:clrMapOvr>
+</p:sld>
+</file>
+
+<file path=ppt/slides/slide16.xml><?xml version="1.0" encoding="utf-8"?>
 <p:sld xmlns:a="http://schemas.openxmlformats.org/drawingml/2006/main" xmlns:r="http://schemas.openxmlformats.org/officeDocument/2006/relationships" xmlns:p="http://schemas.openxmlformats.org/presentationml/2006/main">
   <p:cSld>
     <p:spTree>
@@ -11029,10 +11322,10 @@
                 <a:ea typeface="MS PMincho"/>
                 <a:cs typeface="Calibri Light"/>
               </a:rPr>
-              <a:t>付録１：公園タイプの説明</a:t>
+              <a:t>付録２：公園タイプの説明</a:t>
             </a:r>
             <a:br>
-              <a:rPr lang="ja-JP" altLang="en-US" sz="3600" dirty="0">
+              <a:rPr lang="ja-JP" altLang="en-US" sz="3600">
                 <a:latin typeface="MS PMincho"/>
                 <a:ea typeface="MS PMincho"/>
                 <a:cs typeface="Calibri Light"/>
@@ -11581,7 +11874,7 @@
           <a:p>
             <a:fld id="{48F63A3B-78C7-47BE-AE5E-E10140E04643}" type="slidenum">
               <a:rPr lang="en-US" dirty="0"/>
-              <a:t>15</a:t>
+              <a:t>16</a:t>
             </a:fld>
             <a:endParaRPr lang="en-US"/>
           </a:p>
@@ -11591,134 +11884,6 @@
     <p:extLst>
       <p:ext uri="{BB962C8B-B14F-4D97-AF65-F5344CB8AC3E}">
         <p14:creationId xmlns:p14="http://schemas.microsoft.com/office/powerpoint/2010/main" val="3768017874"/>
-      </p:ext>
-    </p:extLst>
-  </p:cSld>
-  <p:clrMapOvr>
-    <a:masterClrMapping/>
-  </p:clrMapOvr>
-</p:sld>
-</file>
-
-<file path=ppt/slides/slide16.xml><?xml version="1.0" encoding="utf-8"?>
-<p:sld xmlns:a="http://schemas.openxmlformats.org/drawingml/2006/main" xmlns:r="http://schemas.openxmlformats.org/officeDocument/2006/relationships" xmlns:p="http://schemas.openxmlformats.org/presentationml/2006/main">
-  <p:cSld>
-    <p:spTree>
-      <p:nvGrpSpPr>
-        <p:cNvPr id="1" name=""/>
-        <p:cNvGrpSpPr/>
-        <p:nvPr/>
-      </p:nvGrpSpPr>
-      <p:grpSpPr>
-        <a:xfrm>
-          <a:off x="0" y="0"/>
-          <a:ext cx="0" cy="0"/>
-          <a:chOff x="0" y="0"/>
-          <a:chExt cx="0" cy="0"/>
-        </a:xfrm>
-      </p:grpSpPr>
-      <p:sp>
-        <p:nvSpPr>
-          <p:cNvPr id="2" name="タイトル 1">
-            <a:extLst>
-              <a:ext uri="{FF2B5EF4-FFF2-40B4-BE49-F238E27FC236}">
-                <a16:creationId xmlns:a16="http://schemas.microsoft.com/office/drawing/2014/main" id="{AF1BEE3D-B557-56CA-D42C-3AF3E6010F69}"/>
-              </a:ext>
-            </a:extLst>
-          </p:cNvPr>
-          <p:cNvSpPr>
-            <a:spLocks noGrp="1"/>
-          </p:cNvSpPr>
-          <p:nvPr>
-            <p:ph type="title"/>
-          </p:nvPr>
-        </p:nvSpPr>
-        <p:spPr>
-          <a:xfrm>
-            <a:off x="838200" y="365125"/>
-            <a:ext cx="3739243" cy="255135"/>
-          </a:xfrm>
-        </p:spPr>
-        <p:txBody>
-          <a:bodyPr>
-            <a:normAutofit fontScale="90000"/>
-          </a:bodyPr>
-          <a:lstStyle/>
-          <a:p>
-            <a:r>
-              <a:rPr lang="ja-JP" altLang="en-US" sz="2200">
-                <a:ea typeface="游ゴシック Light"/>
-                <a:cs typeface="Calibri Light"/>
-              </a:rPr>
-              <a:t>付録２：神奈川県地図</a:t>
-            </a:r>
-            <a:endParaRPr kumimoji="1" lang="ja-JP" altLang="en-US" sz="2200"/>
-          </a:p>
-        </p:txBody>
-      </p:sp>
-      <p:sp>
-        <p:nvSpPr>
-          <p:cNvPr id="4" name="スライド番号プレースホルダー 3">
-            <a:extLst>
-              <a:ext uri="{FF2B5EF4-FFF2-40B4-BE49-F238E27FC236}">
-                <a16:creationId xmlns:a16="http://schemas.microsoft.com/office/drawing/2014/main" id="{305AC279-D661-3694-69FB-5D00B014266C}"/>
-              </a:ext>
-            </a:extLst>
-          </p:cNvPr>
-          <p:cNvSpPr>
-            <a:spLocks noGrp="1"/>
-          </p:cNvSpPr>
-          <p:nvPr>
-            <p:ph type="sldNum" sz="quarter" idx="12"/>
-          </p:nvPr>
-        </p:nvSpPr>
-        <p:spPr/>
-        <p:txBody>
-          <a:bodyPr/>
-          <a:lstStyle/>
-          <a:p>
-            <a:fld id="{48F63A3B-78C7-47BE-AE5E-E10140E04643}" type="slidenum">
-              <a:rPr lang="en-US" dirty="0"/>
-              <a:t>16</a:t>
-            </a:fld>
-            <a:endParaRPr lang="en-US"/>
-          </a:p>
-        </p:txBody>
-      </p:sp>
-      <p:pic>
-        <p:nvPicPr>
-          <p:cNvPr id="5" name="図 4" descr="マップ&#10;&#10;説明は自動で生成されたものです">
-            <a:extLst>
-              <a:ext uri="{FF2B5EF4-FFF2-40B4-BE49-F238E27FC236}">
-                <a16:creationId xmlns:a16="http://schemas.microsoft.com/office/drawing/2014/main" id="{42152DA3-7A8C-FB87-FA9E-3BA664791AA4}"/>
-              </a:ext>
-            </a:extLst>
-          </p:cNvPr>
-          <p:cNvPicPr>
-            <a:picLocks noChangeAspect="1"/>
-          </p:cNvPicPr>
-          <p:nvPr/>
-        </p:nvPicPr>
-        <p:blipFill>
-          <a:blip r:embed="rId2"/>
-          <a:stretch>
-            <a:fillRect/>
-          </a:stretch>
-        </p:blipFill>
-        <p:spPr>
-          <a:xfrm>
-            <a:off x="2124588" y="1161237"/>
-            <a:ext cx="8291569" cy="4923248"/>
-          </a:xfrm>
-          <a:prstGeom prst="rect">
-            <a:avLst/>
-          </a:prstGeom>
-        </p:spPr>
-      </p:pic>
-    </p:spTree>
-    <p:extLst>
-      <p:ext uri="{BB962C8B-B14F-4D97-AF65-F5344CB8AC3E}">
-        <p14:creationId xmlns:p14="http://schemas.microsoft.com/office/powerpoint/2010/main" val="1999931508"/>
       </p:ext>
     </p:extLst>
   </p:cSld>
@@ -13597,12 +13762,16 @@
           <a:p>
             <a:r>
               <a:rPr lang="ja-JP" altLang="en-US" sz="2000">
-                <a:ea typeface="游ゴシック Light"/>
+                <a:latin typeface="MS PMincho"/>
+                <a:ea typeface="MS PMincho"/>
                 <a:cs typeface="Calibri Light"/>
               </a:rPr>
               <a:t>重要な基本統計量①</a:t>
             </a:r>
-            <a:endParaRPr kumimoji="1" lang="ja-JP" altLang="en-US" sz="2000"/>
+            <a:endParaRPr kumimoji="1" lang="ja-JP" altLang="en-US" sz="2000">
+              <a:latin typeface="MS PMincho"/>
+              <a:ea typeface="MS PMincho"/>
+            </a:endParaRPr>
           </a:p>
         </p:txBody>
       </p:sp>
@@ -13754,12 +13923,16 @@
           <a:p>
             <a:r>
               <a:rPr lang="ja-JP" altLang="en-US" sz="2000">
-                <a:ea typeface="游ゴシック Light"/>
+                <a:latin typeface="MS PMincho"/>
+                <a:ea typeface="MS PMincho"/>
                 <a:cs typeface="Calibri Light"/>
               </a:rPr>
-              <a:t>重要な基本統計量③</a:t>
-            </a:r>
-            <a:endParaRPr kumimoji="1" lang="ja-JP" altLang="en-US" sz="2000"/>
+              <a:t>重要な基本統計量②</a:t>
+            </a:r>
+            <a:endParaRPr kumimoji="1" lang="ja-JP" altLang="en-US" sz="2000">
+              <a:latin typeface="MS PMincho"/>
+              <a:ea typeface="MS PMincho"/>
+            </a:endParaRPr>
           </a:p>
         </p:txBody>
       </p:sp>
@@ -13841,7 +14014,7 @@
           <a:lstStyle/>
           <a:p>
             <a:pPr algn="ctr"/>
-            <a:endParaRPr lang="ja-JP" altLang="en-US" dirty="0">
+            <a:endParaRPr lang="ja-JP" altLang="en-US">
               <a:ea typeface="游ゴシック"/>
               <a:cs typeface="Calibri"/>
             </a:endParaRPr>
@@ -13937,12 +14110,16 @@
           <a:p>
             <a:r>
               <a:rPr lang="ja-JP" altLang="en-US" sz="2000">
-                <a:ea typeface="游ゴシック Light"/>
+                <a:latin typeface="MS PMincho"/>
+                <a:ea typeface="MS PMincho"/>
                 <a:cs typeface="Calibri Light"/>
               </a:rPr>
-              <a:t>重要な基本統計量②</a:t>
-            </a:r>
-            <a:endParaRPr kumimoji="1" lang="ja-JP" altLang="en-US" sz="2000"/>
+              <a:t>重要な基本統計量③</a:t>
+            </a:r>
+            <a:endParaRPr kumimoji="1" lang="ja-JP" altLang="en-US" sz="2000">
+              <a:latin typeface="MS PMincho"/>
+              <a:ea typeface="MS PMincho"/>
+            </a:endParaRPr>
           </a:p>
         </p:txBody>
       </p:sp>
@@ -14330,7 +14507,7 @@
                 <a:ea typeface="游ゴシック"/>
                 <a:cs typeface="Calibri"/>
               </a:rPr>
-              <a:t>※神奈川県の地図を付録２に掲載しておりますので、適宜ご参照ください。</a:t>
+              <a:t>※神奈川県の地図を付録１に掲載しておりますので、適宜ご参照ください。</a:t>
             </a:r>
             <a:endParaRPr lang="ja-JP" altLang="en-US" sz="1400"/>
           </a:p>
